--- a/documents/API Testing.pptx
+++ b/documents/API Testing.pptx
@@ -2,7 +2,7 @@
 <file path=ppt/presentation.xml><?xml version="1.0" encoding="utf-8"?>
 <p:presentation xmlns:a="http://schemas.openxmlformats.org/drawingml/2006/main" xmlns:r="http://schemas.openxmlformats.org/officeDocument/2006/relationships" xmlns:p="http://schemas.openxmlformats.org/presentationml/2006/main" saveSubsetFonts="1">
   <p:sldMasterIdLst>
-    <p:sldMasterId id="2147484195" r:id="rId1"/>
+    <p:sldMasterId id="2147484213" r:id="rId1"/>
   </p:sldMasterIdLst>
   <p:sldIdLst>
     <p:sldId id="256" r:id="rId2"/>
@@ -146,6 +146,536 @@
           <a:chExt cx="0" cy="0"/>
         </a:xfrm>
       </p:grpSpPr>
+      <p:grpSp>
+        <p:nvGrpSpPr>
+          <p:cNvPr id="7" name="Group 6"/>
+          <p:cNvGrpSpPr/>
+          <p:nvPr/>
+        </p:nvGrpSpPr>
+        <p:grpSpPr>
+          <a:xfrm>
+            <a:off x="0" y="-8467"/>
+            <a:ext cx="12192000" cy="6866467"/>
+            <a:chOff x="0" y="-8467"/>
+            <a:chExt cx="12192000" cy="6866467"/>
+          </a:xfrm>
+        </p:grpSpPr>
+        <p:cxnSp>
+          <p:nvCxnSpPr>
+            <p:cNvPr id="32" name="Straight Connector 31"/>
+            <p:cNvCxnSpPr/>
+            <p:nvPr/>
+          </p:nvCxnSpPr>
+          <p:spPr>
+            <a:xfrm>
+              <a:off x="9371012" y="0"/>
+              <a:ext cx="1219200" cy="6858000"/>
+            </a:xfrm>
+            <a:prstGeom prst="line">
+              <a:avLst/>
+            </a:prstGeom>
+            <a:ln w="9525">
+              <a:solidFill>
+                <a:schemeClr val="bg1">
+                  <a:lumMod val="75000"/>
+                </a:schemeClr>
+              </a:solidFill>
+            </a:ln>
+          </p:spPr>
+          <p:style>
+            <a:lnRef idx="2">
+              <a:schemeClr val="accent1"/>
+            </a:lnRef>
+            <a:fillRef idx="0">
+              <a:schemeClr val="accent1"/>
+            </a:fillRef>
+            <a:effectRef idx="1">
+              <a:schemeClr val="accent1"/>
+            </a:effectRef>
+            <a:fontRef idx="minor">
+              <a:schemeClr val="tx1"/>
+            </a:fontRef>
+          </p:style>
+        </p:cxnSp>
+        <p:cxnSp>
+          <p:nvCxnSpPr>
+            <p:cNvPr id="21" name="Straight Connector 20"/>
+            <p:cNvCxnSpPr/>
+            <p:nvPr/>
+          </p:nvCxnSpPr>
+          <p:spPr>
+            <a:xfrm flipH="1">
+              <a:off x="7425267" y="3681413"/>
+              <a:ext cx="4763558" cy="3176587"/>
+            </a:xfrm>
+            <a:prstGeom prst="line">
+              <a:avLst/>
+            </a:prstGeom>
+            <a:ln w="9525">
+              <a:solidFill>
+                <a:schemeClr val="bg1">
+                  <a:lumMod val="85000"/>
+                </a:schemeClr>
+              </a:solidFill>
+            </a:ln>
+          </p:spPr>
+          <p:style>
+            <a:lnRef idx="2">
+              <a:schemeClr val="accent1"/>
+            </a:lnRef>
+            <a:fillRef idx="0">
+              <a:schemeClr val="accent1"/>
+            </a:fillRef>
+            <a:effectRef idx="1">
+              <a:schemeClr val="accent1"/>
+            </a:effectRef>
+            <a:fontRef idx="minor">
+              <a:schemeClr val="tx1"/>
+            </a:fontRef>
+          </p:style>
+        </p:cxnSp>
+        <p:sp>
+          <p:nvSpPr>
+            <p:cNvPr id="24" name="Rectangle 23"/>
+            <p:cNvSpPr/>
+            <p:nvPr/>
+          </p:nvSpPr>
+          <p:spPr>
+            <a:xfrm>
+              <a:off x="9181476" y="-8467"/>
+              <a:ext cx="3007349" cy="6866467"/>
+            </a:xfrm>
+            <a:custGeom>
+              <a:avLst/>
+              <a:gdLst/>
+              <a:ahLst/>
+              <a:cxnLst/>
+              <a:rect l="l" t="t" r="r" b="b"/>
+              <a:pathLst>
+                <a:path w="3007349" h="6866467">
+                  <a:moveTo>
+                    <a:pt x="2045532" y="0"/>
+                  </a:moveTo>
+                  <a:lnTo>
+                    <a:pt x="3007349" y="0"/>
+                  </a:lnTo>
+                  <a:lnTo>
+                    <a:pt x="3007349" y="6866467"/>
+                  </a:lnTo>
+                  <a:lnTo>
+                    <a:pt x="0" y="6866467"/>
+                  </a:lnTo>
+                  <a:lnTo>
+                    <a:pt x="2045532" y="0"/>
+                  </a:lnTo>
+                  <a:close/>
+                </a:path>
+              </a:pathLst>
+            </a:custGeom>
+            <a:solidFill>
+              <a:schemeClr val="accent1">
+                <a:alpha val="30000"/>
+              </a:schemeClr>
+            </a:solidFill>
+            <a:ln>
+              <a:noFill/>
+            </a:ln>
+            <a:effectLst/>
+          </p:spPr>
+          <p:style>
+            <a:lnRef idx="1">
+              <a:schemeClr val="accent1"/>
+            </a:lnRef>
+            <a:fillRef idx="3">
+              <a:schemeClr val="accent1"/>
+            </a:fillRef>
+            <a:effectRef idx="2">
+              <a:schemeClr val="accent1"/>
+            </a:effectRef>
+            <a:fontRef idx="minor">
+              <a:schemeClr val="lt1"/>
+            </a:fontRef>
+          </p:style>
+        </p:sp>
+        <p:sp>
+          <p:nvSpPr>
+            <p:cNvPr id="26" name="Rectangle 25"/>
+            <p:cNvSpPr/>
+            <p:nvPr/>
+          </p:nvSpPr>
+          <p:spPr>
+            <a:xfrm>
+              <a:off x="9603442" y="-8467"/>
+              <a:ext cx="2588558" cy="6866467"/>
+            </a:xfrm>
+            <a:custGeom>
+              <a:avLst/>
+              <a:gdLst/>
+              <a:ahLst/>
+              <a:cxnLst/>
+              <a:rect l="l" t="t" r="r" b="b"/>
+              <a:pathLst>
+                <a:path w="2573311" h="6866467">
+                  <a:moveTo>
+                    <a:pt x="0" y="0"/>
+                  </a:moveTo>
+                  <a:lnTo>
+                    <a:pt x="2573311" y="0"/>
+                  </a:lnTo>
+                  <a:lnTo>
+                    <a:pt x="2573311" y="6866467"/>
+                  </a:lnTo>
+                  <a:lnTo>
+                    <a:pt x="1202336" y="6866467"/>
+                  </a:lnTo>
+                  <a:lnTo>
+                    <a:pt x="0" y="0"/>
+                  </a:lnTo>
+                  <a:close/>
+                </a:path>
+              </a:pathLst>
+            </a:custGeom>
+            <a:solidFill>
+              <a:schemeClr val="accent1">
+                <a:alpha val="20000"/>
+              </a:schemeClr>
+            </a:solidFill>
+            <a:ln>
+              <a:noFill/>
+            </a:ln>
+            <a:effectLst/>
+          </p:spPr>
+          <p:style>
+            <a:lnRef idx="1">
+              <a:schemeClr val="accent1"/>
+            </a:lnRef>
+            <a:fillRef idx="3">
+              <a:schemeClr val="accent1"/>
+            </a:fillRef>
+            <a:effectRef idx="2">
+              <a:schemeClr val="accent1"/>
+            </a:effectRef>
+            <a:fontRef idx="minor">
+              <a:schemeClr val="lt1"/>
+            </a:fontRef>
+          </p:style>
+        </p:sp>
+        <p:sp>
+          <p:nvSpPr>
+            <p:cNvPr id="27" name="Isosceles Triangle 26"/>
+            <p:cNvSpPr/>
+            <p:nvPr/>
+          </p:nvSpPr>
+          <p:spPr>
+            <a:xfrm>
+              <a:off x="8932333" y="3048000"/>
+              <a:ext cx="3259667" cy="3810000"/>
+            </a:xfrm>
+            <a:prstGeom prst="triangle">
+              <a:avLst>
+                <a:gd name="adj" fmla="val 100000"/>
+              </a:avLst>
+            </a:prstGeom>
+            <a:solidFill>
+              <a:schemeClr val="accent2">
+                <a:alpha val="72000"/>
+              </a:schemeClr>
+            </a:solidFill>
+            <a:ln>
+              <a:noFill/>
+            </a:ln>
+            <a:effectLst/>
+          </p:spPr>
+          <p:style>
+            <a:lnRef idx="1">
+              <a:schemeClr val="accent1"/>
+            </a:lnRef>
+            <a:fillRef idx="3">
+              <a:schemeClr val="accent1"/>
+            </a:fillRef>
+            <a:effectRef idx="2">
+              <a:schemeClr val="accent1"/>
+            </a:effectRef>
+            <a:fontRef idx="minor">
+              <a:schemeClr val="lt1"/>
+            </a:fontRef>
+          </p:style>
+        </p:sp>
+        <p:sp>
+          <p:nvSpPr>
+            <p:cNvPr id="28" name="Rectangle 27"/>
+            <p:cNvSpPr/>
+            <p:nvPr/>
+          </p:nvSpPr>
+          <p:spPr>
+            <a:xfrm>
+              <a:off x="9334500" y="-8467"/>
+              <a:ext cx="2854326" cy="6866467"/>
+            </a:xfrm>
+            <a:custGeom>
+              <a:avLst/>
+              <a:gdLst/>
+              <a:ahLst/>
+              <a:cxnLst/>
+              <a:rect l="l" t="t" r="r" b="b"/>
+              <a:pathLst>
+                <a:path w="2858013" h="6866467">
+                  <a:moveTo>
+                    <a:pt x="0" y="0"/>
+                  </a:moveTo>
+                  <a:lnTo>
+                    <a:pt x="2858013" y="0"/>
+                  </a:lnTo>
+                  <a:lnTo>
+                    <a:pt x="2858013" y="6866467"/>
+                  </a:lnTo>
+                  <a:lnTo>
+                    <a:pt x="2473942" y="6866467"/>
+                  </a:lnTo>
+                  <a:lnTo>
+                    <a:pt x="0" y="0"/>
+                  </a:lnTo>
+                  <a:close/>
+                </a:path>
+              </a:pathLst>
+            </a:custGeom>
+            <a:solidFill>
+              <a:schemeClr val="accent2">
+                <a:lumMod val="75000"/>
+                <a:alpha val="70000"/>
+              </a:schemeClr>
+            </a:solidFill>
+            <a:ln>
+              <a:noFill/>
+            </a:ln>
+            <a:effectLst/>
+          </p:spPr>
+          <p:style>
+            <a:lnRef idx="1">
+              <a:schemeClr val="accent1"/>
+            </a:lnRef>
+            <a:fillRef idx="3">
+              <a:schemeClr val="accent1"/>
+            </a:fillRef>
+            <a:effectRef idx="2">
+              <a:schemeClr val="accent1"/>
+            </a:effectRef>
+            <a:fontRef idx="minor">
+              <a:schemeClr val="lt1"/>
+            </a:fontRef>
+          </p:style>
+        </p:sp>
+        <p:sp>
+          <p:nvSpPr>
+            <p:cNvPr id="29" name="Rectangle 28"/>
+            <p:cNvSpPr/>
+            <p:nvPr/>
+          </p:nvSpPr>
+          <p:spPr>
+            <a:xfrm>
+              <a:off x="10898730" y="-8467"/>
+              <a:ext cx="1290094" cy="6866467"/>
+            </a:xfrm>
+            <a:custGeom>
+              <a:avLst/>
+              <a:gdLst/>
+              <a:ahLst/>
+              <a:cxnLst/>
+              <a:rect l="l" t="t" r="r" b="b"/>
+              <a:pathLst>
+                <a:path w="1290094" h="6858000">
+                  <a:moveTo>
+                    <a:pt x="1019735" y="0"/>
+                  </a:moveTo>
+                  <a:lnTo>
+                    <a:pt x="1290094" y="0"/>
+                  </a:lnTo>
+                  <a:lnTo>
+                    <a:pt x="1290094" y="6858000"/>
+                  </a:lnTo>
+                  <a:lnTo>
+                    <a:pt x="0" y="6858000"/>
+                  </a:lnTo>
+                  <a:lnTo>
+                    <a:pt x="1019735" y="0"/>
+                  </a:lnTo>
+                  <a:close/>
+                </a:path>
+              </a:pathLst>
+            </a:custGeom>
+            <a:solidFill>
+              <a:schemeClr val="accent1">
+                <a:lumMod val="60000"/>
+                <a:lumOff val="40000"/>
+                <a:alpha val="70000"/>
+              </a:schemeClr>
+            </a:solidFill>
+            <a:ln>
+              <a:noFill/>
+            </a:ln>
+            <a:effectLst/>
+          </p:spPr>
+          <p:style>
+            <a:lnRef idx="1">
+              <a:schemeClr val="accent1"/>
+            </a:lnRef>
+            <a:fillRef idx="3">
+              <a:schemeClr val="accent1"/>
+            </a:fillRef>
+            <a:effectRef idx="2">
+              <a:schemeClr val="accent1"/>
+            </a:effectRef>
+            <a:fontRef idx="minor">
+              <a:schemeClr val="lt1"/>
+            </a:fontRef>
+          </p:style>
+        </p:sp>
+        <p:sp>
+          <p:nvSpPr>
+            <p:cNvPr id="30" name="Rectangle 29"/>
+            <p:cNvSpPr/>
+            <p:nvPr/>
+          </p:nvSpPr>
+          <p:spPr>
+            <a:xfrm>
+              <a:off x="10938999" y="-8467"/>
+              <a:ext cx="1249825" cy="6866467"/>
+            </a:xfrm>
+            <a:custGeom>
+              <a:avLst/>
+              <a:gdLst/>
+              <a:ahLst/>
+              <a:cxnLst/>
+              <a:rect l="l" t="t" r="r" b="b"/>
+              <a:pathLst>
+                <a:path w="1249825" h="6858000">
+                  <a:moveTo>
+                    <a:pt x="0" y="0"/>
+                  </a:moveTo>
+                  <a:lnTo>
+                    <a:pt x="1249825" y="0"/>
+                  </a:lnTo>
+                  <a:lnTo>
+                    <a:pt x="1249825" y="6858000"/>
+                  </a:lnTo>
+                  <a:lnTo>
+                    <a:pt x="1109382" y="6858000"/>
+                  </a:lnTo>
+                  <a:lnTo>
+                    <a:pt x="0" y="0"/>
+                  </a:lnTo>
+                  <a:close/>
+                </a:path>
+              </a:pathLst>
+            </a:custGeom>
+            <a:solidFill>
+              <a:schemeClr val="accent1">
+                <a:alpha val="65000"/>
+              </a:schemeClr>
+            </a:solidFill>
+            <a:ln>
+              <a:noFill/>
+            </a:ln>
+            <a:effectLst/>
+          </p:spPr>
+          <p:style>
+            <a:lnRef idx="1">
+              <a:schemeClr val="accent1"/>
+            </a:lnRef>
+            <a:fillRef idx="3">
+              <a:schemeClr val="accent1"/>
+            </a:fillRef>
+            <a:effectRef idx="2">
+              <a:schemeClr val="accent1"/>
+            </a:effectRef>
+            <a:fontRef idx="minor">
+              <a:schemeClr val="lt1"/>
+            </a:fontRef>
+          </p:style>
+        </p:sp>
+        <p:sp>
+          <p:nvSpPr>
+            <p:cNvPr id="31" name="Isosceles Triangle 30"/>
+            <p:cNvSpPr/>
+            <p:nvPr/>
+          </p:nvSpPr>
+          <p:spPr>
+            <a:xfrm>
+              <a:off x="10371666" y="3589867"/>
+              <a:ext cx="1817159" cy="3268133"/>
+            </a:xfrm>
+            <a:prstGeom prst="triangle">
+              <a:avLst>
+                <a:gd name="adj" fmla="val 100000"/>
+              </a:avLst>
+            </a:prstGeom>
+            <a:solidFill>
+              <a:schemeClr val="accent1">
+                <a:alpha val="80000"/>
+              </a:schemeClr>
+            </a:solidFill>
+            <a:ln>
+              <a:noFill/>
+            </a:ln>
+            <a:effectLst/>
+          </p:spPr>
+          <p:style>
+            <a:lnRef idx="1">
+              <a:schemeClr val="accent1"/>
+            </a:lnRef>
+            <a:fillRef idx="3">
+              <a:schemeClr val="accent1"/>
+            </a:fillRef>
+            <a:effectRef idx="2">
+              <a:schemeClr val="accent1"/>
+            </a:effectRef>
+            <a:fontRef idx="minor">
+              <a:schemeClr val="lt1"/>
+            </a:fontRef>
+          </p:style>
+        </p:sp>
+        <p:sp>
+          <p:nvSpPr>
+            <p:cNvPr id="19" name="Isosceles Triangle 18"/>
+            <p:cNvSpPr/>
+            <p:nvPr/>
+          </p:nvSpPr>
+          <p:spPr>
+            <a:xfrm rot="10800000">
+              <a:off x="0" y="0"/>
+              <a:ext cx="842596" cy="5666154"/>
+            </a:xfrm>
+            <a:prstGeom prst="triangle">
+              <a:avLst>
+                <a:gd name="adj" fmla="val 100000"/>
+              </a:avLst>
+            </a:prstGeom>
+            <a:solidFill>
+              <a:schemeClr val="accent1">
+                <a:alpha val="85000"/>
+              </a:schemeClr>
+            </a:solidFill>
+            <a:ln>
+              <a:noFill/>
+            </a:ln>
+            <a:effectLst/>
+          </p:spPr>
+          <p:style>
+            <a:lnRef idx="1">
+              <a:schemeClr val="accent1"/>
+            </a:lnRef>
+            <a:fillRef idx="3">
+              <a:schemeClr val="accent1"/>
+            </a:fillRef>
+            <a:effectRef idx="2">
+              <a:schemeClr val="accent1"/>
+            </a:effectRef>
+            <a:fontRef idx="minor">
+              <a:schemeClr val="lt1"/>
+            </a:fontRef>
+          </p:style>
+        </p:sp>
+      </p:grpSp>
       <p:sp>
         <p:nvSpPr>
           <p:cNvPr id="2" name="Title 1"/>
@@ -158,18 +688,20 @@
         </p:nvSpPr>
         <p:spPr>
           <a:xfrm>
-            <a:off x="684212" y="685799"/>
-            <a:ext cx="8001000" cy="2971801"/>
+            <a:off x="1507067" y="2404534"/>
+            <a:ext cx="7766936" cy="1646302"/>
           </a:xfrm>
         </p:spPr>
         <p:txBody>
           <a:bodyPr anchor="b">
-            <a:normAutofit/>
+            <a:noAutofit/>
           </a:bodyPr>
           <a:lstStyle>
-            <a:lvl1pPr algn="l">
-              <a:defRPr sz="4800">
-                <a:effectLst/>
+            <a:lvl1pPr algn="r">
+              <a:defRPr sz="5400">
+                <a:solidFill>
+                  <a:schemeClr val="accent1"/>
+                </a:solidFill>
               </a:defRPr>
             </a:lvl1pPr>
           </a:lstStyle>
@@ -194,21 +726,20 @@
         </p:nvSpPr>
         <p:spPr>
           <a:xfrm>
-            <a:off x="684212" y="3843867"/>
-            <a:ext cx="6400800" cy="1947333"/>
+            <a:off x="1507067" y="4050833"/>
+            <a:ext cx="7766936" cy="1096899"/>
           </a:xfrm>
         </p:spPr>
         <p:txBody>
-          <a:bodyPr anchor="t">
-            <a:normAutofit/>
-          </a:bodyPr>
+          <a:bodyPr anchor="t"/>
           <a:lstStyle>
-            <a:lvl1pPr marL="0" indent="0" algn="l">
-              <a:buNone/>
-              <a:defRPr sz="2100">
+            <a:lvl1pPr marL="0" indent="0" algn="r">
+              <a:buNone/>
+              <a:defRPr>
                 <a:solidFill>
-                  <a:schemeClr val="bg2">
-                    <a:lumMod val="75000"/>
+                  <a:schemeClr val="tx1">
+                    <a:lumMod val="50000"/>
+                    <a:lumOff val="50000"/>
                   </a:schemeClr>
                 </a:solidFill>
               </a:defRPr>
@@ -320,7 +851,7 @@
           <a:p>
             <a:fld id="{F6D0D6D5-A1A0-4D4A-85D4-86081AAB827E}" type="datetimeFigureOut">
               <a:rPr lang="en-CA" smtClean="0"/>
-              <a:t>2017-09-16</a:t>
+              <a:t>2018-02-17</a:t>
             </a:fld>
             <a:endParaRPr lang="en-CA"/>
           </a:p>
@@ -368,185 +899,10 @@
           </a:p>
         </p:txBody>
       </p:sp>
-      <p:cxnSp>
-        <p:nvCxnSpPr>
-          <p:cNvPr id="16" name="Straight Connector 15"/>
-          <p:cNvCxnSpPr/>
-          <p:nvPr/>
-        </p:nvCxnSpPr>
-        <p:spPr>
-          <a:xfrm flipH="1">
-            <a:off x="8228012" y="8467"/>
-            <a:ext cx="3810000" cy="3810000"/>
-          </a:xfrm>
-          <a:prstGeom prst="line">
-            <a:avLst/>
-          </a:prstGeom>
-          <a:ln w="12700">
-            <a:solidFill>
-              <a:schemeClr val="tx1"/>
-            </a:solidFill>
-          </a:ln>
-        </p:spPr>
-        <p:style>
-          <a:lnRef idx="2">
-            <a:schemeClr val="accent1"/>
-          </a:lnRef>
-          <a:fillRef idx="0">
-            <a:schemeClr val="accent1"/>
-          </a:fillRef>
-          <a:effectRef idx="1">
-            <a:schemeClr val="accent1"/>
-          </a:effectRef>
-          <a:fontRef idx="minor">
-            <a:schemeClr val="tx1"/>
-          </a:fontRef>
-        </p:style>
-      </p:cxnSp>
-      <p:cxnSp>
-        <p:nvCxnSpPr>
-          <p:cNvPr id="17" name="Straight Connector 16"/>
-          <p:cNvCxnSpPr/>
-          <p:nvPr/>
-        </p:nvCxnSpPr>
-        <p:spPr>
-          <a:xfrm flipH="1">
-            <a:off x="6108170" y="91545"/>
-            <a:ext cx="6080655" cy="6080655"/>
-          </a:xfrm>
-          <a:prstGeom prst="line">
-            <a:avLst/>
-          </a:prstGeom>
-          <a:ln w="12700">
-            <a:solidFill>
-              <a:schemeClr val="tx1"/>
-            </a:solidFill>
-          </a:ln>
-        </p:spPr>
-        <p:style>
-          <a:lnRef idx="2">
-            <a:schemeClr val="accent1"/>
-          </a:lnRef>
-          <a:fillRef idx="0">
-            <a:schemeClr val="accent1"/>
-          </a:fillRef>
-          <a:effectRef idx="1">
-            <a:schemeClr val="accent1"/>
-          </a:effectRef>
-          <a:fontRef idx="minor">
-            <a:schemeClr val="tx1"/>
-          </a:fontRef>
-        </p:style>
-      </p:cxnSp>
-      <p:cxnSp>
-        <p:nvCxnSpPr>
-          <p:cNvPr id="19" name="Straight Connector 18"/>
-          <p:cNvCxnSpPr/>
-          <p:nvPr/>
-        </p:nvCxnSpPr>
-        <p:spPr>
-          <a:xfrm flipH="1">
-            <a:off x="7235825" y="228600"/>
-            <a:ext cx="4953000" cy="4953000"/>
-          </a:xfrm>
-          <a:prstGeom prst="line">
-            <a:avLst/>
-          </a:prstGeom>
-          <a:ln w="12700">
-            <a:solidFill>
-              <a:schemeClr val="tx1"/>
-            </a:solidFill>
-          </a:ln>
-        </p:spPr>
-        <p:style>
-          <a:lnRef idx="2">
-            <a:schemeClr val="accent1"/>
-          </a:lnRef>
-          <a:fillRef idx="0">
-            <a:schemeClr val="accent1"/>
-          </a:fillRef>
-          <a:effectRef idx="1">
-            <a:schemeClr val="accent1"/>
-          </a:effectRef>
-          <a:fontRef idx="minor">
-            <a:schemeClr val="tx1"/>
-          </a:fontRef>
-        </p:style>
-      </p:cxnSp>
-      <p:cxnSp>
-        <p:nvCxnSpPr>
-          <p:cNvPr id="21" name="Straight Connector 20"/>
-          <p:cNvCxnSpPr/>
-          <p:nvPr/>
-        </p:nvCxnSpPr>
-        <p:spPr>
-          <a:xfrm flipH="1">
-            <a:off x="7335837" y="32278"/>
-            <a:ext cx="4852989" cy="4852989"/>
-          </a:xfrm>
-          <a:prstGeom prst="line">
-            <a:avLst/>
-          </a:prstGeom>
-          <a:ln w="31750">
-            <a:solidFill>
-              <a:schemeClr val="tx1"/>
-            </a:solidFill>
-          </a:ln>
-        </p:spPr>
-        <p:style>
-          <a:lnRef idx="2">
-            <a:schemeClr val="accent1"/>
-          </a:lnRef>
-          <a:fillRef idx="0">
-            <a:schemeClr val="accent1"/>
-          </a:fillRef>
-          <a:effectRef idx="1">
-            <a:schemeClr val="accent1"/>
-          </a:effectRef>
-          <a:fontRef idx="minor">
-            <a:schemeClr val="tx1"/>
-          </a:fontRef>
-        </p:style>
-      </p:cxnSp>
-      <p:cxnSp>
-        <p:nvCxnSpPr>
-          <p:cNvPr id="23" name="Straight Connector 22"/>
-          <p:cNvCxnSpPr/>
-          <p:nvPr/>
-        </p:nvCxnSpPr>
-        <p:spPr>
-          <a:xfrm flipH="1">
-            <a:off x="7845426" y="609601"/>
-            <a:ext cx="4343399" cy="4343399"/>
-          </a:xfrm>
-          <a:prstGeom prst="line">
-            <a:avLst/>
-          </a:prstGeom>
-          <a:ln w="31750">
-            <a:solidFill>
-              <a:schemeClr val="tx1"/>
-            </a:solidFill>
-          </a:ln>
-        </p:spPr>
-        <p:style>
-          <a:lnRef idx="2">
-            <a:schemeClr val="accent1"/>
-          </a:lnRef>
-          <a:fillRef idx="0">
-            <a:schemeClr val="accent1"/>
-          </a:fillRef>
-          <a:effectRef idx="1">
-            <a:schemeClr val="accent1"/>
-          </a:effectRef>
-          <a:fontRef idx="minor">
-            <a:schemeClr val="tx1"/>
-          </a:fontRef>
-        </p:style>
-      </p:cxnSp>
     </p:spTree>
     <p:extLst>
       <p:ext uri="{BB962C8B-B14F-4D97-AF65-F5344CB8AC3E}">
-        <p14:creationId xmlns:p14="http://schemas.microsoft.com/office/powerpoint/2010/main" val="261700926"/>
+        <p14:creationId xmlns:p14="http://schemas.microsoft.com/office/powerpoint/2010/main" val="2100632766"/>
       </p:ext>
     </p:extLst>
   </p:cSld>
@@ -557,267 +913,6 @@
 </file>
 
 <file path=ppt/slideLayouts/slideLayout10.xml><?xml version="1.0" encoding="utf-8"?>
-<p:sldLayout xmlns:a="http://schemas.openxmlformats.org/drawingml/2006/main" xmlns:r="http://schemas.openxmlformats.org/officeDocument/2006/relationships" xmlns:p="http://schemas.openxmlformats.org/presentationml/2006/main" preserve="1">
-  <p:cSld name="Panoramic Picture with Caption">
-    <p:spTree>
-      <p:nvGrpSpPr>
-        <p:cNvPr id="1" name=""/>
-        <p:cNvGrpSpPr/>
-        <p:nvPr/>
-      </p:nvGrpSpPr>
-      <p:grpSpPr>
-        <a:xfrm>
-          <a:off x="0" y="0"/>
-          <a:ext cx="0" cy="0"/>
-          <a:chOff x="0" y="0"/>
-          <a:chExt cx="0" cy="0"/>
-        </a:xfrm>
-      </p:grpSpPr>
-      <p:sp>
-        <p:nvSpPr>
-          <p:cNvPr id="2" name="Title 1"/>
-          <p:cNvSpPr>
-            <a:spLocks noGrp="1"/>
-          </p:cNvSpPr>
-          <p:nvPr>
-            <p:ph type="title"/>
-          </p:nvPr>
-        </p:nvSpPr>
-        <p:spPr/>
-        <p:txBody>
-          <a:bodyPr/>
-          <a:lstStyle/>
-          <a:p>
-            <a:r>
-              <a:rPr lang="en-US"/>
-              <a:t>Click to edit Master title style</a:t>
-            </a:r>
-            <a:endParaRPr lang="en-US" dirty="0"/>
-          </a:p>
-        </p:txBody>
-      </p:sp>
-      <p:sp>
-        <p:nvSpPr>
-          <p:cNvPr id="17" name="Picture Placeholder 2"/>
-          <p:cNvSpPr>
-            <a:spLocks noGrp="1" noChangeAspect="1"/>
-          </p:cNvSpPr>
-          <p:nvPr>
-            <p:ph type="pic" idx="13"/>
-          </p:nvPr>
-        </p:nvSpPr>
-        <p:spPr>
-          <a:xfrm>
-            <a:off x="685800" y="533400"/>
-            <a:ext cx="10818812" cy="3124200"/>
-          </a:xfrm>
-          <a:prstGeom prst="snip2DiagRect">
-            <a:avLst>
-              <a:gd name="adj1" fmla="val 10815"/>
-              <a:gd name="adj2" fmla="val 0"/>
-            </a:avLst>
-          </a:prstGeom>
-          <a:ln w="15875">
-            <a:solidFill>
-              <a:schemeClr val="tx1">
-                <a:alpha val="40000"/>
-              </a:schemeClr>
-            </a:solidFill>
-          </a:ln>
-          <a:effectLst>
-            <a:innerShdw blurRad="57150" dist="38100" dir="14460000">
-              <a:srgbClr val="000000">
-                <a:alpha val="70000"/>
-              </a:srgbClr>
-            </a:innerShdw>
-          </a:effectLst>
-        </p:spPr>
-        <p:txBody>
-          <a:bodyPr anchor="t">
-            <a:normAutofit/>
-          </a:bodyPr>
-          <a:lstStyle>
-            <a:lvl1pPr marL="0" indent="0" algn="ctr">
-              <a:buNone/>
-              <a:defRPr sz="1600"/>
-            </a:lvl1pPr>
-            <a:lvl2pPr marL="457200" indent="0">
-              <a:buNone/>
-              <a:defRPr sz="1600"/>
-            </a:lvl2pPr>
-            <a:lvl3pPr marL="914400" indent="0">
-              <a:buNone/>
-              <a:defRPr sz="1600"/>
-            </a:lvl3pPr>
-            <a:lvl4pPr marL="1371600" indent="0">
-              <a:buNone/>
-              <a:defRPr sz="1600"/>
-            </a:lvl4pPr>
-            <a:lvl5pPr marL="1828800" indent="0">
-              <a:buNone/>
-              <a:defRPr sz="1600"/>
-            </a:lvl5pPr>
-            <a:lvl6pPr marL="2286000" indent="0">
-              <a:buNone/>
-              <a:defRPr sz="1600"/>
-            </a:lvl6pPr>
-            <a:lvl7pPr marL="2743200" indent="0">
-              <a:buNone/>
-              <a:defRPr sz="1600"/>
-            </a:lvl7pPr>
-            <a:lvl8pPr marL="3200400" indent="0">
-              <a:buNone/>
-              <a:defRPr sz="1600"/>
-            </a:lvl8pPr>
-            <a:lvl9pPr marL="3657600" indent="0">
-              <a:buNone/>
-              <a:defRPr sz="1600"/>
-            </a:lvl9pPr>
-          </a:lstStyle>
-          <a:p>
-            <a:r>
-              <a:rPr lang="en-US"/>
-              <a:t>Click icon to add picture</a:t>
-            </a:r>
-            <a:endParaRPr lang="en-US" dirty="0"/>
-          </a:p>
-        </p:txBody>
-      </p:sp>
-      <p:sp>
-        <p:nvSpPr>
-          <p:cNvPr id="16" name="Text Placeholder 9"/>
-          <p:cNvSpPr>
-            <a:spLocks noGrp="1"/>
-          </p:cNvSpPr>
-          <p:nvPr>
-            <p:ph type="body" sz="quarter" idx="14"/>
-          </p:nvPr>
-        </p:nvSpPr>
-        <p:spPr>
-          <a:xfrm>
-            <a:off x="914402" y="3843867"/>
-            <a:ext cx="8304210" cy="457200"/>
-          </a:xfrm>
-        </p:spPr>
-        <p:txBody>
-          <a:bodyPr anchor="t">
-            <a:normAutofit/>
-          </a:bodyPr>
-          <a:lstStyle>
-            <a:lvl1pPr marL="0" indent="0">
-              <a:buFontTx/>
-              <a:buNone/>
-              <a:defRPr sz="1600"/>
-            </a:lvl1pPr>
-            <a:lvl2pPr marL="457200" indent="0">
-              <a:buFontTx/>
-              <a:buNone/>
-              <a:defRPr/>
-            </a:lvl2pPr>
-            <a:lvl3pPr marL="914400" indent="0">
-              <a:buFontTx/>
-              <a:buNone/>
-              <a:defRPr/>
-            </a:lvl3pPr>
-            <a:lvl4pPr marL="1371600" indent="0">
-              <a:buFontTx/>
-              <a:buNone/>
-              <a:defRPr/>
-            </a:lvl4pPr>
-            <a:lvl5pPr marL="1828800" indent="0">
-              <a:buFontTx/>
-              <a:buNone/>
-              <a:defRPr/>
-            </a:lvl5pPr>
-          </a:lstStyle>
-          <a:p>
-            <a:pPr lvl="0"/>
-            <a:r>
-              <a:rPr lang="en-US"/>
-              <a:t>Edit Master text styles</a:t>
-            </a:r>
-          </a:p>
-        </p:txBody>
-      </p:sp>
-      <p:sp>
-        <p:nvSpPr>
-          <p:cNvPr id="3" name="Date Placeholder 2"/>
-          <p:cNvSpPr>
-            <a:spLocks noGrp="1"/>
-          </p:cNvSpPr>
-          <p:nvPr>
-            <p:ph type="dt" sz="half" idx="10"/>
-          </p:nvPr>
-        </p:nvSpPr>
-        <p:spPr/>
-        <p:txBody>
-          <a:bodyPr/>
-          <a:lstStyle/>
-          <a:p>
-            <a:fld id="{F6D0D6D5-A1A0-4D4A-85D4-86081AAB827E}" type="datetimeFigureOut">
-              <a:rPr lang="en-CA" smtClean="0"/>
-              <a:t>2017-09-16</a:t>
-            </a:fld>
-            <a:endParaRPr lang="en-CA"/>
-          </a:p>
-        </p:txBody>
-      </p:sp>
-      <p:sp>
-        <p:nvSpPr>
-          <p:cNvPr id="4" name="Footer Placeholder 3"/>
-          <p:cNvSpPr>
-            <a:spLocks noGrp="1"/>
-          </p:cNvSpPr>
-          <p:nvPr>
-            <p:ph type="ftr" sz="quarter" idx="11"/>
-          </p:nvPr>
-        </p:nvSpPr>
-        <p:spPr/>
-        <p:txBody>
-          <a:bodyPr/>
-          <a:lstStyle/>
-          <a:p>
-            <a:endParaRPr lang="en-CA"/>
-          </a:p>
-        </p:txBody>
-      </p:sp>
-      <p:sp>
-        <p:nvSpPr>
-          <p:cNvPr id="5" name="Slide Number Placeholder 4"/>
-          <p:cNvSpPr>
-            <a:spLocks noGrp="1"/>
-          </p:cNvSpPr>
-          <p:nvPr>
-            <p:ph type="sldNum" sz="quarter" idx="12"/>
-          </p:nvPr>
-        </p:nvSpPr>
-        <p:spPr/>
-        <p:txBody>
-          <a:bodyPr/>
-          <a:lstStyle/>
-          <a:p>
-            <a:fld id="{C81966C6-D08D-47E8-869C-95E747E78688}" type="slidenum">
-              <a:rPr lang="en-CA" smtClean="0"/>
-              <a:t>‹#›</a:t>
-            </a:fld>
-            <a:endParaRPr lang="en-CA"/>
-          </a:p>
-        </p:txBody>
-      </p:sp>
-    </p:spTree>
-    <p:extLst>
-      <p:ext uri="{BB962C8B-B14F-4D97-AF65-F5344CB8AC3E}">
-        <p14:creationId xmlns:p14="http://schemas.microsoft.com/office/powerpoint/2010/main" val="3978502374"/>
-      </p:ext>
-    </p:extLst>
-  </p:cSld>
-  <p:clrMapOvr>
-    <a:masterClrMapping/>
-  </p:clrMapOvr>
-</p:sldLayout>
-</file>
-
-<file path=ppt/slideLayouts/slideLayout11.xml><?xml version="1.0" encoding="utf-8"?>
 <p:sldLayout xmlns:a="http://schemas.openxmlformats.org/drawingml/2006/main" xmlns:r="http://schemas.openxmlformats.org/officeDocument/2006/relationships" xmlns:p="http://schemas.openxmlformats.org/presentationml/2006/main" preserve="1">
   <p:cSld name="Title and Caption">
     <p:spTree>
@@ -846,8 +941,8 @@
         </p:nvSpPr>
         <p:spPr>
           <a:xfrm>
-            <a:off x="684213" y="685800"/>
-            <a:ext cx="10058400" cy="2743200"/>
+            <a:off x="677335" y="609600"/>
+            <a:ext cx="8596668" cy="3403600"/>
           </a:xfrm>
         </p:spPr>
         <p:txBody>
@@ -856,7 +951,7 @@
           </a:bodyPr>
           <a:lstStyle>
             <a:lvl1pPr algn="l">
-              <a:defRPr sz="3200" b="0" cap="all"/>
+              <a:defRPr sz="4400" b="0" cap="none"/>
             </a:lvl1pPr>
           </a:lstStyle>
           <a:p>
@@ -880,8 +975,8 @@
         </p:nvSpPr>
         <p:spPr>
           <a:xfrm>
-            <a:off x="684212" y="4114800"/>
-            <a:ext cx="8535988" cy="1879600"/>
+            <a:off x="677335" y="4470400"/>
+            <a:ext cx="8596668" cy="1570962"/>
           </a:xfrm>
         </p:spPr>
         <p:txBody>
@@ -891,10 +986,11 @@
           <a:lstStyle>
             <a:lvl1pPr marL="0" indent="0" algn="l">
               <a:buNone/>
-              <a:defRPr sz="2000">
+              <a:defRPr sz="1800">
                 <a:solidFill>
-                  <a:schemeClr val="bg2">
+                  <a:schemeClr val="tx1">
                     <a:lumMod val="75000"/>
+                    <a:lumOff val="25000"/>
                   </a:schemeClr>
                 </a:solidFill>
               </a:defRPr>
@@ -1006,7 +1102,7 @@
           <a:p>
             <a:fld id="{F6D0D6D5-A1A0-4D4A-85D4-86081AAB827E}" type="datetimeFigureOut">
               <a:rPr lang="en-CA" smtClean="0"/>
-              <a:t>2017-09-16</a:t>
+              <a:t>2018-02-17</a:t>
             </a:fld>
             <a:endParaRPr lang="en-CA"/>
           </a:p>
@@ -1057,7 +1153,7 @@
     </p:spTree>
     <p:extLst>
       <p:ext uri="{BB962C8B-B14F-4D97-AF65-F5344CB8AC3E}">
-        <p14:creationId xmlns:p14="http://schemas.microsoft.com/office/powerpoint/2010/main" val="2895496142"/>
+        <p14:creationId xmlns:p14="http://schemas.microsoft.com/office/powerpoint/2010/main" val="3787032915"/>
       </p:ext>
     </p:extLst>
   </p:cSld>
@@ -1067,7 +1163,7 @@
 </p:sldLayout>
 </file>
 
-<file path=ppt/slideLayouts/slideLayout12.xml><?xml version="1.0" encoding="utf-8"?>
+<file path=ppt/slideLayouts/slideLayout11.xml><?xml version="1.0" encoding="utf-8"?>
 <p:sldLayout xmlns:a="http://schemas.openxmlformats.org/drawingml/2006/main" xmlns:r="http://schemas.openxmlformats.org/officeDocument/2006/relationships" xmlns:p="http://schemas.openxmlformats.org/presentationml/2006/main" preserve="1">
   <p:cSld name="Quote with Caption">
     <p:spTree>
@@ -1096,8 +1192,8 @@
         </p:nvSpPr>
         <p:spPr>
           <a:xfrm>
-            <a:off x="1141411" y="685800"/>
-            <a:ext cx="9144001" cy="2743200"/>
+            <a:off x="931334" y="609600"/>
+            <a:ext cx="8094134" cy="3022600"/>
           </a:xfrm>
         </p:spPr>
         <p:txBody>
@@ -1106,11 +1202,7 @@
           </a:bodyPr>
           <a:lstStyle>
             <a:lvl1pPr algn="l">
-              <a:defRPr sz="3200" b="0" cap="all">
-                <a:solidFill>
-                  <a:schemeClr val="tx1"/>
-                </a:solidFill>
-              </a:defRPr>
+              <a:defRPr sz="4400" b="0" cap="none"/>
             </a:lvl1pPr>
           </a:lstStyle>
           <a:p>
@@ -1124,7 +1216,7 @@
       </p:sp>
       <p:sp>
         <p:nvSpPr>
-          <p:cNvPr id="10" name="Text Placeholder 9"/>
+          <p:cNvPr id="23" name="Text Placeholder 9"/>
           <p:cNvSpPr>
             <a:spLocks noGrp="1"/>
           </p:cNvSpPr>
@@ -1134,17 +1226,26 @@
         </p:nvSpPr>
         <p:spPr>
           <a:xfrm>
-            <a:off x="1446212" y="3429000"/>
-            <a:ext cx="8534400" cy="381000"/>
+            <a:off x="1366139" y="3632200"/>
+            <a:ext cx="7224524" cy="381000"/>
           </a:xfrm>
         </p:spPr>
         <p:txBody>
-          <a:bodyPr anchor="ctr"/>
+          <a:bodyPr anchor="ctr">
+            <a:noAutofit/>
+          </a:bodyPr>
           <a:lstStyle>
             <a:lvl1pPr marL="0" indent="0">
               <a:buFontTx/>
               <a:buNone/>
-              <a:defRPr/>
+              <a:defRPr sz="1600">
+                <a:solidFill>
+                  <a:schemeClr val="tx1">
+                    <a:lumMod val="50000"/>
+                    <a:lumOff val="50000"/>
+                  </a:schemeClr>
+                </a:solidFill>
+              </a:defRPr>
             </a:lvl1pPr>
             <a:lvl2pPr marL="457200" indent="0">
               <a:buFontTx/>
@@ -1188,8 +1289,8 @@
         </p:nvSpPr>
         <p:spPr>
           <a:xfrm>
-            <a:off x="684213" y="4301067"/>
-            <a:ext cx="8534400" cy="1684865"/>
+            <a:off x="677335" y="4470400"/>
+            <a:ext cx="8596668" cy="1570962"/>
           </a:xfrm>
         </p:spPr>
         <p:txBody>
@@ -1199,10 +1300,11 @@
           <a:lstStyle>
             <a:lvl1pPr marL="0" indent="0" algn="l">
               <a:buNone/>
-              <a:defRPr sz="2000">
+              <a:defRPr sz="1800">
                 <a:solidFill>
-                  <a:schemeClr val="bg2">
+                  <a:schemeClr val="tx1">
                     <a:lumMod val="75000"/>
+                    <a:lumOff val="25000"/>
                   </a:schemeClr>
                 </a:solidFill>
               </a:defRPr>
@@ -1314,7 +1416,7 @@
           <a:p>
             <a:fld id="{F6D0D6D5-A1A0-4D4A-85D4-86081AAB827E}" type="datetimeFigureOut">
               <a:rPr lang="en-CA" smtClean="0"/>
-              <a:t>2017-09-16</a:t>
+              <a:t>2018-02-17</a:t>
             </a:fld>
             <a:endParaRPr lang="en-CA"/>
           </a:p>
@@ -1364,13 +1466,13 @@
       </p:sp>
       <p:sp>
         <p:nvSpPr>
-          <p:cNvPr id="14" name="TextBox 13"/>
+          <p:cNvPr id="20" name="TextBox 19"/>
           <p:cNvSpPr txBox="1"/>
           <p:nvPr/>
         </p:nvSpPr>
         <p:spPr>
           <a:xfrm>
-            <a:off x="531812" y="812222"/>
+            <a:off x="541870" y="790378"/>
             <a:ext cx="609600" cy="584776"/>
           </a:xfrm>
           <a:prstGeom prst="rect">
@@ -1385,11 +1487,18 @@
           <a:p>
             <a:pPr lvl="0"/>
             <a:r>
-              <a:rPr lang="en-US" sz="8000" dirty="0">
+              <a:rPr lang="en-US" sz="8000" baseline="0" dirty="0">
+                <a:ln w="3175" cmpd="sng">
+                  <a:noFill/>
+                </a:ln>
                 <a:solidFill>
-                  <a:schemeClr val="tx1"/>
+                  <a:schemeClr val="accent1">
+                    <a:lumMod val="60000"/>
+                    <a:lumOff val="40000"/>
+                  </a:schemeClr>
                 </a:solidFill>
                 <a:effectLst/>
+                <a:latin typeface="Arial"/>
               </a:rPr>
               <a:t>“</a:t>
             </a:r>
@@ -1398,13 +1507,13 @@
       </p:sp>
       <p:sp>
         <p:nvSpPr>
-          <p:cNvPr id="15" name="TextBox 14"/>
+          <p:cNvPr id="22" name="TextBox 21"/>
           <p:cNvSpPr txBox="1"/>
           <p:nvPr/>
         </p:nvSpPr>
         <p:spPr>
           <a:xfrm>
-            <a:off x="10285412" y="2768601"/>
+            <a:off x="8893011" y="2886556"/>
             <a:ext cx="609600" cy="584776"/>
           </a:xfrm>
           <a:prstGeom prst="rect">
@@ -1417,23 +1526,38 @@
           </a:bodyPr>
           <a:lstStyle/>
           <a:p>
-            <a:pPr lvl="0" algn="r"/>
-            <a:r>
-              <a:rPr lang="en-US" sz="8000" dirty="0">
+            <a:pPr lvl="0"/>
+            <a:r>
+              <a:rPr lang="en-US" sz="8000" baseline="0" dirty="0">
+                <a:ln w="3175" cmpd="sng">
+                  <a:noFill/>
+                </a:ln>
                 <a:solidFill>
-                  <a:schemeClr val="tx1"/>
+                  <a:schemeClr val="accent1">
+                    <a:lumMod val="60000"/>
+                    <a:lumOff val="40000"/>
+                  </a:schemeClr>
                 </a:solidFill>
-                <a:effectLst/>
+                <a:latin typeface="Arial"/>
               </a:rPr>
               <a:t>”</a:t>
             </a:r>
+            <a:endParaRPr lang="en-US" dirty="0">
+              <a:solidFill>
+                <a:schemeClr val="accent1">
+                  <a:lumMod val="60000"/>
+                  <a:lumOff val="40000"/>
+                </a:schemeClr>
+              </a:solidFill>
+              <a:latin typeface="Arial"/>
+            </a:endParaRPr>
           </a:p>
         </p:txBody>
       </p:sp>
     </p:spTree>
     <p:extLst>
       <p:ext uri="{BB962C8B-B14F-4D97-AF65-F5344CB8AC3E}">
-        <p14:creationId xmlns:p14="http://schemas.microsoft.com/office/powerpoint/2010/main" val="286251314"/>
+        <p14:creationId xmlns:p14="http://schemas.microsoft.com/office/powerpoint/2010/main" val="576668212"/>
       </p:ext>
     </p:extLst>
   </p:cSld>
@@ -1443,7 +1567,7 @@
 </p:sldLayout>
 </file>
 
-<file path=ppt/slideLayouts/slideLayout13.xml><?xml version="1.0" encoding="utf-8"?>
+<file path=ppt/slideLayouts/slideLayout12.xml><?xml version="1.0" encoding="utf-8"?>
 <p:sldLayout xmlns:a="http://schemas.openxmlformats.org/drawingml/2006/main" xmlns:r="http://schemas.openxmlformats.org/officeDocument/2006/relationships" xmlns:p="http://schemas.openxmlformats.org/presentationml/2006/main" preserve="1">
   <p:cSld name="Name Card">
     <p:spTree>
@@ -1472,8 +1596,8 @@
         </p:nvSpPr>
         <p:spPr>
           <a:xfrm>
-            <a:off x="684212" y="3429000"/>
-            <a:ext cx="8534400" cy="1697400"/>
+            <a:off x="677335" y="1931988"/>
+            <a:ext cx="8596668" cy="2595460"/>
           </a:xfrm>
         </p:spPr>
         <p:txBody>
@@ -1482,7 +1606,7 @@
           </a:bodyPr>
           <a:lstStyle>
             <a:lvl1pPr algn="l">
-              <a:defRPr sz="3200" b="0" cap="all"/>
+              <a:defRPr sz="4400" b="0" cap="none"/>
             </a:lvl1pPr>
           </a:lstStyle>
           <a:p>
@@ -1506,8 +1630,8 @@
         </p:nvSpPr>
         <p:spPr>
           <a:xfrm>
-            <a:off x="684211" y="5132981"/>
-            <a:ext cx="8535990" cy="860400"/>
+            <a:off x="677335" y="4527448"/>
+            <a:ext cx="8596668" cy="1513914"/>
           </a:xfrm>
         </p:spPr>
         <p:txBody>
@@ -1517,10 +1641,11 @@
           <a:lstStyle>
             <a:lvl1pPr marL="0" indent="0" algn="l">
               <a:buNone/>
-              <a:defRPr sz="2000">
+              <a:defRPr sz="1800">
                 <a:solidFill>
-                  <a:schemeClr val="bg2">
+                  <a:schemeClr val="tx1">
                     <a:lumMod val="75000"/>
+                    <a:lumOff val="25000"/>
                   </a:schemeClr>
                 </a:solidFill>
               </a:defRPr>
@@ -1632,7 +1757,7 @@
           <a:p>
             <a:fld id="{F6D0D6D5-A1A0-4D4A-85D4-86081AAB827E}" type="datetimeFigureOut">
               <a:rPr lang="en-CA" smtClean="0"/>
-              <a:t>2017-09-16</a:t>
+              <a:t>2018-02-17</a:t>
             </a:fld>
             <a:endParaRPr lang="en-CA"/>
           </a:p>
@@ -1683,7 +1808,7 @@
     </p:spTree>
     <p:extLst>
       <p:ext uri="{BB962C8B-B14F-4D97-AF65-F5344CB8AC3E}">
-        <p14:creationId xmlns:p14="http://schemas.microsoft.com/office/powerpoint/2010/main" val="2021689395"/>
+        <p14:creationId xmlns:p14="http://schemas.microsoft.com/office/powerpoint/2010/main" val="3846207836"/>
       </p:ext>
     </p:extLst>
   </p:cSld>
@@ -1693,7 +1818,7 @@
 </p:sldLayout>
 </file>
 
-<file path=ppt/slideLayouts/slideLayout14.xml><?xml version="1.0" encoding="utf-8"?>
+<file path=ppt/slideLayouts/slideLayout13.xml><?xml version="1.0" encoding="utf-8"?>
 <p:sldLayout xmlns:a="http://schemas.openxmlformats.org/drawingml/2006/main" xmlns:r="http://schemas.openxmlformats.org/officeDocument/2006/relationships" xmlns:p="http://schemas.openxmlformats.org/presentationml/2006/main" preserve="1">
   <p:cSld name="Quote Name Card">
     <p:spTree>
@@ -1722,8 +1847,8 @@
         </p:nvSpPr>
         <p:spPr>
           <a:xfrm>
-            <a:off x="1141413" y="685800"/>
-            <a:ext cx="9144000" cy="2743200"/>
+            <a:off x="931334" y="609600"/>
+            <a:ext cx="8094134" cy="3022600"/>
           </a:xfrm>
         </p:spPr>
         <p:txBody>
@@ -1732,84 +1857,95 @@
           </a:bodyPr>
           <a:lstStyle>
             <a:lvl1pPr algn="l">
-              <a:defRPr sz="3200" b="0" cap="all">
+              <a:defRPr sz="4400" b="0" cap="none"/>
+            </a:lvl1pPr>
+          </a:lstStyle>
+          <a:p>
+            <a:r>
+              <a:rPr lang="en-US"/>
+              <a:t>Click to edit Master title style</a:t>
+            </a:r>
+            <a:endParaRPr lang="en-US" dirty="0"/>
+          </a:p>
+        </p:txBody>
+      </p:sp>
+      <p:sp>
+        <p:nvSpPr>
+          <p:cNvPr id="23" name="Text Placeholder 9"/>
+          <p:cNvSpPr>
+            <a:spLocks noGrp="1"/>
+          </p:cNvSpPr>
+          <p:nvPr>
+            <p:ph type="body" sz="quarter" idx="13"/>
+          </p:nvPr>
+        </p:nvSpPr>
+        <p:spPr>
+          <a:xfrm>
+            <a:off x="677332" y="4013200"/>
+            <a:ext cx="8596669" cy="514248"/>
+          </a:xfrm>
+        </p:spPr>
+        <p:txBody>
+          <a:bodyPr anchor="b">
+            <a:noAutofit/>
+          </a:bodyPr>
+          <a:lstStyle>
+            <a:lvl1pPr marL="0" indent="0">
+              <a:buFontTx/>
+              <a:buNone/>
+              <a:defRPr sz="2400">
                 <a:solidFill>
-                  <a:schemeClr val="tx1"/>
+                  <a:schemeClr val="tx1">
+                    <a:lumMod val="75000"/>
+                    <a:lumOff val="25000"/>
+                  </a:schemeClr>
                 </a:solidFill>
               </a:defRPr>
             </a:lvl1pPr>
+            <a:lvl2pPr marL="457200" indent="0">
+              <a:buFontTx/>
+              <a:buNone/>
+              <a:defRPr/>
+            </a:lvl2pPr>
+            <a:lvl3pPr marL="914400" indent="0">
+              <a:buFontTx/>
+              <a:buNone/>
+              <a:defRPr/>
+            </a:lvl3pPr>
+            <a:lvl4pPr marL="1371600" indent="0">
+              <a:buFontTx/>
+              <a:buNone/>
+              <a:defRPr/>
+            </a:lvl4pPr>
+            <a:lvl5pPr marL="1828800" indent="0">
+              <a:buFontTx/>
+              <a:buNone/>
+              <a:defRPr/>
+            </a:lvl5pPr>
           </a:lstStyle>
           <a:p>
+            <a:pPr lvl="0"/>
             <a:r>
               <a:rPr lang="en-US"/>
-              <a:t>Click to edit Master title style</a:t>
-            </a:r>
-            <a:endParaRPr lang="en-US" dirty="0"/>
-          </a:p>
-        </p:txBody>
-      </p:sp>
-      <p:sp>
-        <p:nvSpPr>
-          <p:cNvPr id="10" name="Text Placeholder 9"/>
-          <p:cNvSpPr>
-            <a:spLocks noGrp="1"/>
-          </p:cNvSpPr>
-          <p:nvPr>
-            <p:ph type="body" sz="quarter" idx="13"/>
+              <a:t>Edit Master text styles</a:t>
+            </a:r>
+          </a:p>
+        </p:txBody>
+      </p:sp>
+      <p:sp>
+        <p:nvSpPr>
+          <p:cNvPr id="3" name="Text Placeholder 2"/>
+          <p:cNvSpPr>
+            <a:spLocks noGrp="1"/>
+          </p:cNvSpPr>
+          <p:nvPr>
+            <p:ph type="body" idx="1"/>
           </p:nvPr>
         </p:nvSpPr>
         <p:spPr>
           <a:xfrm>
-            <a:off x="684212" y="3928534"/>
-            <a:ext cx="8534401" cy="1049866"/>
-          </a:xfrm>
-        </p:spPr>
-        <p:txBody>
-          <a:bodyPr vert="horz" lIns="91440" tIns="45720" rIns="91440" bIns="45720" rtlCol="0" anchor="b">
-            <a:normAutofit/>
-          </a:bodyPr>
-          <a:lstStyle>
-            <a:lvl1pPr>
-              <a:buNone/>
-              <a:defRPr lang="en-US" sz="2400" b="0" cap="all" dirty="0">
-                <a:ln w="3175" cmpd="sng">
-                  <a:noFill/>
-                </a:ln>
-                <a:solidFill>
-                  <a:schemeClr val="tx1"/>
-                </a:solidFill>
-                <a:effectLst/>
-              </a:defRPr>
-            </a:lvl1pPr>
-          </a:lstStyle>
-          <a:p>
-            <a:pPr marL="0" lvl="0">
-              <a:spcBef>
-                <a:spcPct val="0"/>
-              </a:spcBef>
-              <a:buNone/>
-            </a:pPr>
-            <a:r>
-              <a:rPr lang="en-US"/>
-              <a:t>Edit Master text styles</a:t>
-            </a:r>
-          </a:p>
-        </p:txBody>
-      </p:sp>
-      <p:sp>
-        <p:nvSpPr>
-          <p:cNvPr id="3" name="Text Placeholder 2"/>
-          <p:cNvSpPr>
-            <a:spLocks noGrp="1"/>
-          </p:cNvSpPr>
-          <p:nvPr>
-            <p:ph type="body" idx="1"/>
-          </p:nvPr>
-        </p:nvSpPr>
-        <p:spPr>
-          <a:xfrm>
-            <a:off x="684211" y="4978400"/>
-            <a:ext cx="8534401" cy="1016000"/>
+            <a:off x="677335" y="4527448"/>
+            <a:ext cx="8596668" cy="1513914"/>
           </a:xfrm>
         </p:spPr>
         <p:txBody>
@@ -1821,8 +1957,9 @@
               <a:buNone/>
               <a:defRPr sz="1800">
                 <a:solidFill>
-                  <a:schemeClr val="bg2">
-                    <a:lumMod val="75000"/>
+                  <a:schemeClr val="tx1">
+                    <a:lumMod val="50000"/>
+                    <a:lumOff val="50000"/>
                   </a:schemeClr>
                 </a:solidFill>
               </a:defRPr>
@@ -1934,7 +2071,7 @@
           <a:p>
             <a:fld id="{F6D0D6D5-A1A0-4D4A-85D4-86081AAB827E}" type="datetimeFigureOut">
               <a:rPr lang="en-CA" smtClean="0"/>
-              <a:t>2017-09-16</a:t>
+              <a:t>2018-02-17</a:t>
             </a:fld>
             <a:endParaRPr lang="en-CA"/>
           </a:p>
@@ -1984,13 +2121,13 @@
       </p:sp>
       <p:sp>
         <p:nvSpPr>
-          <p:cNvPr id="11" name="TextBox 10"/>
+          <p:cNvPr id="24" name="TextBox 23"/>
           <p:cNvSpPr txBox="1"/>
           <p:nvPr/>
         </p:nvSpPr>
         <p:spPr>
           <a:xfrm>
-            <a:off x="531812" y="812222"/>
+            <a:off x="541870" y="790378"/>
             <a:ext cx="609600" cy="584776"/>
           </a:xfrm>
           <a:prstGeom prst="rect">
@@ -2005,11 +2142,18 @@
           <a:p>
             <a:pPr lvl="0"/>
             <a:r>
-              <a:rPr lang="en-US" sz="8000" dirty="0">
+              <a:rPr lang="en-US" sz="8000" baseline="0" dirty="0">
+                <a:ln w="3175" cmpd="sng">
+                  <a:noFill/>
+                </a:ln>
                 <a:solidFill>
-                  <a:schemeClr val="tx1"/>
+                  <a:schemeClr val="accent1">
+                    <a:lumMod val="60000"/>
+                    <a:lumOff val="40000"/>
+                  </a:schemeClr>
                 </a:solidFill>
                 <a:effectLst/>
+                <a:latin typeface="Arial"/>
               </a:rPr>
               <a:t>“</a:t>
             </a:r>
@@ -2018,13 +2162,13 @@
       </p:sp>
       <p:sp>
         <p:nvSpPr>
-          <p:cNvPr id="12" name="TextBox 11"/>
+          <p:cNvPr id="25" name="TextBox 24"/>
           <p:cNvSpPr txBox="1"/>
           <p:nvPr/>
         </p:nvSpPr>
         <p:spPr>
           <a:xfrm>
-            <a:off x="10285412" y="2768601"/>
+            <a:off x="8893011" y="2886556"/>
             <a:ext cx="609600" cy="584776"/>
           </a:xfrm>
           <a:prstGeom prst="rect">
@@ -2037,13 +2181,20 @@
           </a:bodyPr>
           <a:lstStyle/>
           <a:p>
-            <a:pPr lvl="0" algn="r"/>
-            <a:r>
-              <a:rPr lang="en-US" sz="8000" dirty="0">
+            <a:pPr lvl="0"/>
+            <a:r>
+              <a:rPr lang="en-US" sz="8000" baseline="0" dirty="0">
+                <a:ln w="3175" cmpd="sng">
+                  <a:noFill/>
+                </a:ln>
                 <a:solidFill>
-                  <a:schemeClr val="tx1"/>
+                  <a:schemeClr val="accent1">
+                    <a:lumMod val="60000"/>
+                    <a:lumOff val="40000"/>
+                  </a:schemeClr>
                 </a:solidFill>
                 <a:effectLst/>
+                <a:latin typeface="Arial"/>
               </a:rPr>
               <a:t>”</a:t>
             </a:r>
@@ -2053,7 +2204,7 @@
     </p:spTree>
     <p:extLst>
       <p:ext uri="{BB962C8B-B14F-4D97-AF65-F5344CB8AC3E}">
-        <p14:creationId xmlns:p14="http://schemas.microsoft.com/office/powerpoint/2010/main" val="1121584194"/>
+        <p14:creationId xmlns:p14="http://schemas.microsoft.com/office/powerpoint/2010/main" val="2867064521"/>
       </p:ext>
     </p:extLst>
   </p:cSld>
@@ -2063,7 +2214,7 @@
 </p:sldLayout>
 </file>
 
-<file path=ppt/slideLayouts/slideLayout15.xml><?xml version="1.0" encoding="utf-8"?>
+<file path=ppt/slideLayouts/slideLayout14.xml><?xml version="1.0" encoding="utf-8"?>
 <p:sldLayout xmlns:a="http://schemas.openxmlformats.org/drawingml/2006/main" xmlns:r="http://schemas.openxmlformats.org/officeDocument/2006/relationships" xmlns:p="http://schemas.openxmlformats.org/presentationml/2006/main" preserve="1">
   <p:cSld name="True or False">
     <p:spTree>
@@ -2092,21 +2243,20 @@
         </p:nvSpPr>
         <p:spPr>
           <a:xfrm>
-            <a:off x="684213" y="685800"/>
-            <a:ext cx="10058400" cy="2743200"/>
+            <a:off x="685799" y="609600"/>
+            <a:ext cx="8588203" cy="3022600"/>
           </a:xfrm>
         </p:spPr>
         <p:txBody>
-          <a:bodyPr vert="horz" lIns="91440" tIns="45720" rIns="91440" bIns="45720" rtlCol="0" anchor="ctr">
+          <a:bodyPr anchor="ctr">
             <a:normAutofit/>
           </a:bodyPr>
           <a:lstStyle>
-            <a:lvl1pPr>
-              <a:defRPr lang="en-US" b="0" dirty="0"/>
+            <a:lvl1pPr algn="l">
+              <a:defRPr sz="4400" b="0" cap="none"/>
             </a:lvl1pPr>
           </a:lstStyle>
           <a:p>
-            <a:pPr marL="0" lvl="0"/>
             <a:r>
               <a:rPr lang="en-US"/>
               <a:t>Click to edit Master title style</a:t>
@@ -2117,7 +2267,7 @@
       </p:sp>
       <p:sp>
         <p:nvSpPr>
-          <p:cNvPr id="10" name="Text Placeholder 9"/>
+          <p:cNvPr id="23" name="Text Placeholder 9"/>
           <p:cNvSpPr>
             <a:spLocks noGrp="1"/>
           </p:cNvSpPr>
@@ -2127,35 +2277,47 @@
         </p:nvSpPr>
         <p:spPr>
           <a:xfrm>
-            <a:off x="684212" y="3928534"/>
-            <a:ext cx="8534400" cy="838200"/>
+            <a:off x="677332" y="4013200"/>
+            <a:ext cx="8596669" cy="514248"/>
           </a:xfrm>
         </p:spPr>
         <p:txBody>
-          <a:bodyPr vert="horz" lIns="91440" tIns="45720" rIns="91440" bIns="45720" rtlCol="0" anchor="b">
-            <a:normAutofit/>
+          <a:bodyPr anchor="b">
+            <a:noAutofit/>
           </a:bodyPr>
           <a:lstStyle>
-            <a:lvl1pPr>
-              <a:buNone/>
-              <a:defRPr lang="en-US" sz="2400" b="0" cap="all" dirty="0">
-                <a:ln w="3175" cmpd="sng">
-                  <a:noFill/>
-                </a:ln>
+            <a:lvl1pPr marL="0" indent="0">
+              <a:buFontTx/>
+              <a:buNone/>
+              <a:defRPr sz="2400">
                 <a:solidFill>
-                  <a:schemeClr val="tx1"/>
+                  <a:schemeClr val="accent1"/>
                 </a:solidFill>
-                <a:effectLst/>
               </a:defRPr>
             </a:lvl1pPr>
+            <a:lvl2pPr marL="457200" indent="0">
+              <a:buFontTx/>
+              <a:buNone/>
+              <a:defRPr/>
+            </a:lvl2pPr>
+            <a:lvl3pPr marL="914400" indent="0">
+              <a:buFontTx/>
+              <a:buNone/>
+              <a:defRPr/>
+            </a:lvl3pPr>
+            <a:lvl4pPr marL="1371600" indent="0">
+              <a:buFontTx/>
+              <a:buNone/>
+              <a:defRPr/>
+            </a:lvl4pPr>
+            <a:lvl5pPr marL="1828800" indent="0">
+              <a:buFontTx/>
+              <a:buNone/>
+              <a:defRPr/>
+            </a:lvl5pPr>
           </a:lstStyle>
           <a:p>
-            <a:pPr marL="0" lvl="0">
-              <a:spcBef>
-                <a:spcPct val="0"/>
-              </a:spcBef>
-              <a:buNone/>
-            </a:pPr>
+            <a:pPr lvl="0"/>
             <a:r>
               <a:rPr lang="en-US"/>
               <a:t>Edit Master text styles</a:t>
@@ -2175,8 +2337,8 @@
         </p:nvSpPr>
         <p:spPr>
           <a:xfrm>
-            <a:off x="684211" y="4766732"/>
-            <a:ext cx="8534401" cy="1227667"/>
+            <a:off x="677335" y="4527448"/>
+            <a:ext cx="8596668" cy="1513914"/>
           </a:xfrm>
         </p:spPr>
         <p:txBody>
@@ -2188,8 +2350,9 @@
               <a:buNone/>
               <a:defRPr sz="1800">
                 <a:solidFill>
-                  <a:schemeClr val="bg2">
-                    <a:lumMod val="75000"/>
+                  <a:schemeClr val="tx1">
+                    <a:lumMod val="50000"/>
+                    <a:lumOff val="50000"/>
                   </a:schemeClr>
                 </a:solidFill>
               </a:defRPr>
@@ -2301,7 +2464,7 @@
           <a:p>
             <a:fld id="{F6D0D6D5-A1A0-4D4A-85D4-86081AAB827E}" type="datetimeFigureOut">
               <a:rPr lang="en-CA" smtClean="0"/>
-              <a:t>2017-09-16</a:t>
+              <a:t>2018-02-17</a:t>
             </a:fld>
             <a:endParaRPr lang="en-CA"/>
           </a:p>
@@ -2352,7 +2515,7 @@
     </p:spTree>
     <p:extLst>
       <p:ext uri="{BB962C8B-B14F-4D97-AF65-F5344CB8AC3E}">
-        <p14:creationId xmlns:p14="http://schemas.microsoft.com/office/powerpoint/2010/main" val="3189370943"/>
+        <p14:creationId xmlns:p14="http://schemas.microsoft.com/office/powerpoint/2010/main" val="2454777879"/>
       </p:ext>
     </p:extLst>
   </p:cSld>
@@ -2362,7 +2525,7 @@
 </p:sldLayout>
 </file>
 
-<file path=ppt/slideLayouts/slideLayout16.xml><?xml version="1.0" encoding="utf-8"?>
+<file path=ppt/slideLayouts/slideLayout15.xml><?xml version="1.0" encoding="utf-8"?>
 <p:sldLayout xmlns:a="http://schemas.openxmlformats.org/drawingml/2006/main" xmlns:r="http://schemas.openxmlformats.org/officeDocument/2006/relationships" xmlns:p="http://schemas.openxmlformats.org/presentationml/2006/main" type="vertTx" preserve="1">
   <p:cSld name="Title and Vertical Text">
     <p:spTree>
@@ -2392,11 +2555,7 @@
         <p:spPr/>
         <p:txBody>
           <a:bodyPr/>
-          <a:lstStyle>
-            <a:lvl1pPr algn="l">
-              <a:defRPr/>
-            </a:lvl1pPr>
-          </a:lstStyle>
+          <a:lstStyle/>
           <a:p>
             <a:r>
               <a:rPr lang="en-US"/>
@@ -2418,7 +2577,7 @@
         </p:nvSpPr>
         <p:spPr/>
         <p:txBody>
-          <a:bodyPr vert="eaVert" anchor="t"/>
+          <a:bodyPr vert="eaVert"/>
           <a:lstStyle/>
           <a:p>
             <a:pPr lvl="0"/>
@@ -2475,7 +2634,7 @@
           <a:p>
             <a:fld id="{F6D0D6D5-A1A0-4D4A-85D4-86081AAB827E}" type="datetimeFigureOut">
               <a:rPr lang="en-CA" smtClean="0"/>
-              <a:t>2017-09-16</a:t>
+              <a:t>2018-02-17</a:t>
             </a:fld>
             <a:endParaRPr lang="en-CA"/>
           </a:p>
@@ -2526,7 +2685,7 @@
     </p:spTree>
     <p:extLst>
       <p:ext uri="{BB962C8B-B14F-4D97-AF65-F5344CB8AC3E}">
-        <p14:creationId xmlns:p14="http://schemas.microsoft.com/office/powerpoint/2010/main" val="237540792"/>
+        <p14:creationId xmlns:p14="http://schemas.microsoft.com/office/powerpoint/2010/main" val="4033618062"/>
       </p:ext>
     </p:extLst>
   </p:cSld>
@@ -2536,7 +2695,7 @@
 </p:sldLayout>
 </file>
 
-<file path=ppt/slideLayouts/slideLayout17.xml><?xml version="1.0" encoding="utf-8"?>
+<file path=ppt/slideLayouts/slideLayout16.xml><?xml version="1.0" encoding="utf-8"?>
 <p:sldLayout xmlns:a="http://schemas.openxmlformats.org/drawingml/2006/main" xmlns:r="http://schemas.openxmlformats.org/officeDocument/2006/relationships" xmlns:p="http://schemas.openxmlformats.org/presentationml/2006/main" type="vertTitleAndTx" preserve="1">
   <p:cSld name="Vertical Title and Text">
     <p:spTree>
@@ -2565,12 +2724,12 @@
         </p:nvSpPr>
         <p:spPr>
           <a:xfrm>
-            <a:off x="8685212" y="685800"/>
-            <a:ext cx="2057400" cy="4572000"/>
+            <a:off x="7967673" y="609599"/>
+            <a:ext cx="1304743" cy="5251451"/>
           </a:xfrm>
         </p:spPr>
         <p:txBody>
-          <a:bodyPr vert="eaVert"/>
+          <a:bodyPr vert="eaVert" anchor="ctr"/>
           <a:lstStyle/>
           <a:p>
             <a:r>
@@ -2593,12 +2752,12 @@
         </p:nvSpPr>
         <p:spPr>
           <a:xfrm>
-            <a:off x="685800" y="685800"/>
-            <a:ext cx="7823200" cy="5308600"/>
+            <a:off x="677335" y="609600"/>
+            <a:ext cx="7060150" cy="5251450"/>
           </a:xfrm>
         </p:spPr>
         <p:txBody>
-          <a:bodyPr vert="eaVert" anchor="t"/>
+          <a:bodyPr vert="eaVert"/>
           <a:lstStyle/>
           <a:p>
             <a:pPr lvl="0"/>
@@ -2655,7 +2814,7 @@
           <a:p>
             <a:fld id="{F6D0D6D5-A1A0-4D4A-85D4-86081AAB827E}" type="datetimeFigureOut">
               <a:rPr lang="en-CA" smtClean="0"/>
-              <a:t>2017-09-16</a:t>
+              <a:t>2018-02-17</a:t>
             </a:fld>
             <a:endParaRPr lang="en-CA"/>
           </a:p>
@@ -2706,7 +2865,7 @@
     </p:spTree>
     <p:extLst>
       <p:ext uri="{BB962C8B-B14F-4D97-AF65-F5344CB8AC3E}">
-        <p14:creationId xmlns:p14="http://schemas.microsoft.com/office/powerpoint/2010/main" val="1181785670"/>
+        <p14:creationId xmlns:p14="http://schemas.microsoft.com/office/powerpoint/2010/main" val="3661752277"/>
       </p:ext>
     </p:extLst>
   </p:cSld>
@@ -2745,8 +2904,14 @@
         </p:nvSpPr>
         <p:spPr/>
         <p:txBody>
-          <a:bodyPr/>
-          <a:lstStyle/>
+          <a:bodyPr>
+            <a:normAutofit/>
+          </a:bodyPr>
+          <a:lstStyle>
+            <a:lvl1pPr>
+              <a:defRPr sz="3600"/>
+            </a:lvl1pPr>
+          </a:lstStyle>
           <a:p>
             <a:r>
               <a:rPr lang="en-US"/>
@@ -2768,7 +2933,7 @@
         </p:nvSpPr>
         <p:spPr/>
         <p:txBody>
-          <a:bodyPr anchor="ctr"/>
+          <a:bodyPr/>
           <a:lstStyle/>
           <a:p>
             <a:pPr lvl="0"/>
@@ -2825,7 +2990,7 @@
           <a:p>
             <a:fld id="{F6D0D6D5-A1A0-4D4A-85D4-86081AAB827E}" type="datetimeFigureOut">
               <a:rPr lang="en-CA" smtClean="0"/>
-              <a:t>2017-09-16</a:t>
+              <a:t>2018-02-17</a:t>
             </a:fld>
             <a:endParaRPr lang="en-CA"/>
           </a:p>
@@ -2876,7 +3041,7 @@
     </p:spTree>
     <p:extLst>
       <p:ext uri="{BB962C8B-B14F-4D97-AF65-F5344CB8AC3E}">
-        <p14:creationId xmlns:p14="http://schemas.microsoft.com/office/powerpoint/2010/main" val="3653488117"/>
+        <p14:creationId xmlns:p14="http://schemas.microsoft.com/office/powerpoint/2010/main" val="59047883"/>
       </p:ext>
     </p:extLst>
   </p:cSld>
@@ -2915,17 +3080,15 @@
         </p:nvSpPr>
         <p:spPr>
           <a:xfrm>
-            <a:off x="684211" y="2006600"/>
-            <a:ext cx="8534401" cy="2281600"/>
+            <a:off x="677335" y="2700867"/>
+            <a:ext cx="8596668" cy="1826581"/>
           </a:xfrm>
         </p:spPr>
         <p:txBody>
-          <a:bodyPr anchor="b">
-            <a:normAutofit/>
-          </a:bodyPr>
+          <a:bodyPr anchor="b"/>
           <a:lstStyle>
             <a:lvl1pPr algn="l">
-              <a:defRPr sz="3600" b="0" cap="all"/>
+              <a:defRPr sz="4000" b="0" cap="none"/>
             </a:lvl1pPr>
           </a:lstStyle>
           <a:p>
@@ -2949,21 +3112,20 @@
         </p:nvSpPr>
         <p:spPr>
           <a:xfrm>
-            <a:off x="684213" y="4495800"/>
-            <a:ext cx="8534400" cy="1498600"/>
+            <a:off x="677335" y="4527448"/>
+            <a:ext cx="8596668" cy="860400"/>
           </a:xfrm>
         </p:spPr>
         <p:txBody>
-          <a:bodyPr anchor="t">
-            <a:normAutofit/>
-          </a:bodyPr>
+          <a:bodyPr anchor="t"/>
           <a:lstStyle>
             <a:lvl1pPr marL="0" indent="0" algn="l">
               <a:buNone/>
-              <a:defRPr sz="1800">
+              <a:defRPr sz="2000">
                 <a:solidFill>
-                  <a:schemeClr val="bg2">
-                    <a:lumMod val="75000"/>
+                  <a:schemeClr val="tx1">
+                    <a:lumMod val="50000"/>
+                    <a:lumOff val="50000"/>
                   </a:schemeClr>
                 </a:solidFill>
               </a:defRPr>
@@ -3075,7 +3237,7 @@
           <a:p>
             <a:fld id="{F6D0D6D5-A1A0-4D4A-85D4-86081AAB827E}" type="datetimeFigureOut">
               <a:rPr lang="en-CA" smtClean="0"/>
-              <a:t>2017-09-16</a:t>
+              <a:t>2018-02-17</a:t>
             </a:fld>
             <a:endParaRPr lang="en-CA"/>
           </a:p>
@@ -3126,7 +3288,7 @@
     </p:spTree>
     <p:extLst>
       <p:ext uri="{BB962C8B-B14F-4D97-AF65-F5344CB8AC3E}">
-        <p14:creationId xmlns:p14="http://schemas.microsoft.com/office/powerpoint/2010/main" val="3574346293"/>
+        <p14:creationId xmlns:p14="http://schemas.microsoft.com/office/powerpoint/2010/main" val="4280574862"/>
       </p:ext>
     </p:extLst>
   </p:cSld>
@@ -3188,14 +3350,12 @@
         </p:nvSpPr>
         <p:spPr>
           <a:xfrm>
-            <a:off x="684211" y="685800"/>
-            <a:ext cx="4937655" cy="3615267"/>
+            <a:off x="677334" y="2160589"/>
+            <a:ext cx="4184035" cy="3880772"/>
           </a:xfrm>
         </p:spPr>
         <p:txBody>
-          <a:bodyPr>
-            <a:normAutofit/>
-          </a:bodyPr>
+          <a:bodyPr/>
           <a:lstStyle/>
           <a:p>
             <a:pPr lvl="0"/>
@@ -3247,14 +3407,12 @@
         </p:nvSpPr>
         <p:spPr>
           <a:xfrm>
-            <a:off x="5808133" y="685801"/>
-            <a:ext cx="4934479" cy="3615266"/>
+            <a:off x="5089970" y="2160589"/>
+            <a:ext cx="4184034" cy="3880773"/>
           </a:xfrm>
         </p:spPr>
         <p:txBody>
-          <a:bodyPr>
-            <a:normAutofit/>
-          </a:bodyPr>
+          <a:bodyPr/>
           <a:lstStyle/>
           <a:p>
             <a:pPr lvl="0"/>
@@ -3311,7 +3469,7 @@
           <a:p>
             <a:fld id="{F6D0D6D5-A1A0-4D4A-85D4-86081AAB827E}" type="datetimeFigureOut">
               <a:rPr lang="en-CA" smtClean="0"/>
-              <a:t>2017-09-16</a:t>
+              <a:t>2018-02-17</a:t>
             </a:fld>
             <a:endParaRPr lang="en-CA"/>
           </a:p>
@@ -3362,7 +3520,7 @@
     </p:spTree>
     <p:extLst>
       <p:ext uri="{BB962C8B-B14F-4D97-AF65-F5344CB8AC3E}">
-        <p14:creationId xmlns:p14="http://schemas.microsoft.com/office/powerpoint/2010/main" val="1695267144"/>
+        <p14:creationId xmlns:p14="http://schemas.microsoft.com/office/powerpoint/2010/main" val="1647849087"/>
       </p:ext>
     </p:extLst>
   </p:cSld>
@@ -3428,8 +3586,8 @@
         </p:nvSpPr>
         <p:spPr>
           <a:xfrm>
-            <a:off x="972080" y="685800"/>
-            <a:ext cx="4649787" cy="576262"/>
+            <a:off x="675745" y="2160983"/>
+            <a:ext cx="4185623" cy="576262"/>
           </a:xfrm>
         </p:spPr>
         <p:txBody>
@@ -3439,11 +3597,7 @@
           <a:lstStyle>
             <a:lvl1pPr marL="0" indent="0">
               <a:buNone/>
-              <a:defRPr sz="2800" b="0">
-                <a:solidFill>
-                  <a:schemeClr val="tx1"/>
-                </a:solidFill>
-              </a:defRPr>
+              <a:defRPr sz="2400" b="0"/>
             </a:lvl1pPr>
             <a:lvl2pPr marL="457200" indent="0">
               <a:buNone/>
@@ -3499,12 +3653,12 @@
         </p:nvSpPr>
         <p:spPr>
           <a:xfrm>
-            <a:off x="684211" y="1270529"/>
-            <a:ext cx="4937655" cy="3030538"/>
+            <a:off x="675745" y="2737245"/>
+            <a:ext cx="4185623" cy="3304117"/>
           </a:xfrm>
         </p:spPr>
         <p:txBody>
-          <a:bodyPr anchor="t">
+          <a:bodyPr>
             <a:normAutofit/>
           </a:bodyPr>
           <a:lstStyle/>
@@ -3558,8 +3712,8 @@
         </p:nvSpPr>
         <p:spPr>
           <a:xfrm>
-            <a:off x="6079066" y="685800"/>
-            <a:ext cx="4665134" cy="576262"/>
+            <a:off x="5088383" y="2160983"/>
+            <a:ext cx="4185618" cy="576262"/>
           </a:xfrm>
         </p:spPr>
         <p:txBody>
@@ -3569,11 +3723,7 @@
           <a:lstStyle>
             <a:lvl1pPr marL="0" indent="0">
               <a:buNone/>
-              <a:defRPr sz="2800" b="0">
-                <a:solidFill>
-                  <a:schemeClr val="tx1"/>
-                </a:solidFill>
-              </a:defRPr>
+              <a:defRPr sz="2400" b="0"/>
             </a:lvl1pPr>
             <a:lvl2pPr marL="457200" indent="0">
               <a:buNone/>
@@ -3629,12 +3779,12 @@
         </p:nvSpPr>
         <p:spPr>
           <a:xfrm>
-            <a:off x="5806545" y="1262062"/>
-            <a:ext cx="4929188" cy="3030538"/>
+            <a:off x="5088384" y="2737245"/>
+            <a:ext cx="4185617" cy="3304117"/>
           </a:xfrm>
         </p:spPr>
         <p:txBody>
-          <a:bodyPr anchor="t">
+          <a:bodyPr>
             <a:normAutofit/>
           </a:bodyPr>
           <a:lstStyle/>
@@ -3693,7 +3843,7 @@
           <a:p>
             <a:fld id="{F6D0D6D5-A1A0-4D4A-85D4-86081AAB827E}" type="datetimeFigureOut">
               <a:rPr lang="en-CA" smtClean="0"/>
-              <a:t>2017-09-16</a:t>
+              <a:t>2018-02-17</a:t>
             </a:fld>
             <a:endParaRPr lang="en-CA"/>
           </a:p>
@@ -3744,7 +3894,7 @@
     </p:spTree>
     <p:extLst>
       <p:ext uri="{BB962C8B-B14F-4D97-AF65-F5344CB8AC3E}">
-        <p14:creationId xmlns:p14="http://schemas.microsoft.com/office/powerpoint/2010/main" val="303019373"/>
+        <p14:creationId xmlns:p14="http://schemas.microsoft.com/office/powerpoint/2010/main" val="110621393"/>
       </p:ext>
     </p:extLst>
   </p:cSld>
@@ -3781,7 +3931,12 @@
             <p:ph type="title"/>
           </p:nvPr>
         </p:nvSpPr>
-        <p:spPr/>
+        <p:spPr>
+          <a:xfrm>
+            <a:off x="677334" y="609600"/>
+            <a:ext cx="8596668" cy="1320800"/>
+          </a:xfrm>
+        </p:spPr>
         <p:txBody>
           <a:bodyPr/>
           <a:lstStyle/>
@@ -3811,7 +3966,7 @@
           <a:p>
             <a:fld id="{F6D0D6D5-A1A0-4D4A-85D4-86081AAB827E}" type="datetimeFigureOut">
               <a:rPr lang="en-CA" smtClean="0"/>
-              <a:t>2017-09-16</a:t>
+              <a:t>2018-02-17</a:t>
             </a:fld>
             <a:endParaRPr lang="en-CA"/>
           </a:p>
@@ -3862,7 +4017,7 @@
     </p:spTree>
     <p:extLst>
       <p:ext uri="{BB962C8B-B14F-4D97-AF65-F5344CB8AC3E}">
-        <p14:creationId xmlns:p14="http://schemas.microsoft.com/office/powerpoint/2010/main" val="4072640512"/>
+        <p14:creationId xmlns:p14="http://schemas.microsoft.com/office/powerpoint/2010/main" val="984739406"/>
       </p:ext>
     </p:extLst>
   </p:cSld>
@@ -3906,7 +4061,7 @@
           <a:p>
             <a:fld id="{F6D0D6D5-A1A0-4D4A-85D4-86081AAB827E}" type="datetimeFigureOut">
               <a:rPr lang="en-CA" smtClean="0"/>
-              <a:t>2017-09-16</a:t>
+              <a:t>2018-02-17</a:t>
             </a:fld>
             <a:endParaRPr lang="en-CA"/>
           </a:p>
@@ -3957,7 +4112,7 @@
     </p:spTree>
     <p:extLst>
       <p:ext uri="{BB962C8B-B14F-4D97-AF65-F5344CB8AC3E}">
-        <p14:creationId xmlns:p14="http://schemas.microsoft.com/office/powerpoint/2010/main" val="141457295"/>
+        <p14:creationId xmlns:p14="http://schemas.microsoft.com/office/powerpoint/2010/main" val="635280015"/>
       </p:ext>
     </p:extLst>
   </p:cSld>
@@ -3996,8 +4151,8 @@
         </p:nvSpPr>
         <p:spPr>
           <a:xfrm>
-            <a:off x="7085012" y="685800"/>
-            <a:ext cx="3657600" cy="1371600"/>
+            <a:off x="677334" y="1498604"/>
+            <a:ext cx="3854528" cy="1278466"/>
           </a:xfrm>
         </p:spPr>
         <p:txBody>
@@ -4005,8 +4160,8 @@
             <a:normAutofit/>
           </a:bodyPr>
           <a:lstStyle>
-            <a:lvl1pPr algn="l">
-              <a:defRPr sz="2400" b="0"/>
+            <a:lvl1pPr>
+              <a:defRPr sz="2000"/>
             </a:lvl1pPr>
           </a:lstStyle>
           <a:p>
@@ -4030,12 +4185,12 @@
         </p:nvSpPr>
         <p:spPr>
           <a:xfrm>
-            <a:off x="684212" y="685800"/>
-            <a:ext cx="5943601" cy="5308600"/>
+            <a:off x="4760461" y="514924"/>
+            <a:ext cx="4513541" cy="5526437"/>
           </a:xfrm>
         </p:spPr>
         <p:txBody>
-          <a:bodyPr anchor="ctr">
+          <a:bodyPr>
             <a:normAutofit/>
           </a:bodyPr>
           <a:lstStyle/>
@@ -4089,50 +4244,50 @@
         </p:nvSpPr>
         <p:spPr>
           <a:xfrm>
-            <a:off x="7085012" y="2209799"/>
-            <a:ext cx="3657600" cy="2091267"/>
+            <a:off x="677334" y="2777069"/>
+            <a:ext cx="3854528" cy="2584449"/>
           </a:xfrm>
         </p:spPr>
         <p:txBody>
-          <a:bodyPr anchor="t">
+          <a:bodyPr>
             <a:normAutofit/>
           </a:bodyPr>
           <a:lstStyle>
             <a:lvl1pPr marL="0" indent="0">
               <a:buNone/>
-              <a:defRPr sz="1600"/>
+              <a:defRPr sz="1400"/>
             </a:lvl1pPr>
-            <a:lvl2pPr marL="457200" indent="0">
+            <a:lvl2pPr marL="457063" indent="0">
+              <a:buNone/>
+              <a:defRPr sz="1400"/>
+            </a:lvl2pPr>
+            <a:lvl3pPr marL="914126" indent="0">
               <a:buNone/>
               <a:defRPr sz="1200"/>
-            </a:lvl2pPr>
-            <a:lvl3pPr marL="914400" indent="0">
+            </a:lvl3pPr>
+            <a:lvl4pPr marL="1371189" indent="0">
               <a:buNone/>
               <a:defRPr sz="1000"/>
-            </a:lvl3pPr>
-            <a:lvl4pPr marL="1371600" indent="0">
-              <a:buNone/>
-              <a:defRPr sz="900"/>
             </a:lvl4pPr>
-            <a:lvl5pPr marL="1828800" indent="0">
-              <a:buNone/>
-              <a:defRPr sz="900"/>
+            <a:lvl5pPr marL="1828251" indent="0">
+              <a:buNone/>
+              <a:defRPr sz="1000"/>
             </a:lvl5pPr>
-            <a:lvl6pPr marL="2286000" indent="0">
-              <a:buNone/>
-              <a:defRPr sz="900"/>
+            <a:lvl6pPr marL="2285314" indent="0">
+              <a:buNone/>
+              <a:defRPr sz="1000"/>
             </a:lvl6pPr>
-            <a:lvl7pPr marL="2743200" indent="0">
-              <a:buNone/>
-              <a:defRPr sz="900"/>
+            <a:lvl7pPr marL="2742377" indent="0">
+              <a:buNone/>
+              <a:defRPr sz="1000"/>
             </a:lvl7pPr>
-            <a:lvl8pPr marL="3200400" indent="0">
-              <a:buNone/>
-              <a:defRPr sz="900"/>
+            <a:lvl8pPr marL="3199440" indent="0">
+              <a:buNone/>
+              <a:defRPr sz="1000"/>
             </a:lvl8pPr>
-            <a:lvl9pPr marL="3657600" indent="0">
-              <a:buNone/>
-              <a:defRPr sz="900"/>
+            <a:lvl9pPr marL="3656503" indent="0">
+              <a:buNone/>
+              <a:defRPr sz="1000"/>
             </a:lvl9pPr>
           </a:lstStyle>
           <a:p>
@@ -4161,7 +4316,7 @@
           <a:p>
             <a:fld id="{F6D0D6D5-A1A0-4D4A-85D4-86081AAB827E}" type="datetimeFigureOut">
               <a:rPr lang="en-CA" smtClean="0"/>
-              <a:t>2017-09-16</a:t>
+              <a:t>2018-02-17</a:t>
             </a:fld>
             <a:endParaRPr lang="en-CA"/>
           </a:p>
@@ -4212,7 +4367,7 @@
     </p:spTree>
     <p:extLst>
       <p:ext uri="{BB962C8B-B14F-4D97-AF65-F5344CB8AC3E}">
-        <p14:creationId xmlns:p14="http://schemas.microsoft.com/office/powerpoint/2010/main" val="297243263"/>
+        <p14:creationId xmlns:p14="http://schemas.microsoft.com/office/powerpoint/2010/main" val="776189985"/>
       </p:ext>
     </p:extLst>
   </p:cSld>
@@ -4251,8 +4406,8 @@
         </p:nvSpPr>
         <p:spPr>
           <a:xfrm>
-            <a:off x="4722812" y="1447800"/>
-            <a:ext cx="6019800" cy="1143000"/>
+            <a:off x="677334" y="4800600"/>
+            <a:ext cx="8596667" cy="566738"/>
           </a:xfrm>
         </p:spPr>
         <p:txBody>
@@ -4261,7 +4416,7 @@
           </a:bodyPr>
           <a:lstStyle>
             <a:lvl1pPr algn="l">
-              <a:defRPr sz="2800" b="0"/>
+              <a:defRPr sz="2400" b="0"/>
             </a:lvl1pPr>
           </a:lstStyle>
           <a:p>
@@ -4275,7 +4430,7 @@
       </p:sp>
       <p:sp>
         <p:nvSpPr>
-          <p:cNvPr id="14" name="Picture Placeholder 2"/>
+          <p:cNvPr id="3" name="Picture Placeholder 2"/>
           <p:cNvSpPr>
             <a:spLocks noGrp="1" noChangeAspect="1"/>
           </p:cNvSpPr>
@@ -4285,29 +4440,9 @@
         </p:nvSpPr>
         <p:spPr>
           <a:xfrm>
-            <a:off x="989012" y="914400"/>
-            <a:ext cx="3280974" cy="4572000"/>
+            <a:off x="677334" y="609600"/>
+            <a:ext cx="8596668" cy="3845718"/>
           </a:xfrm>
-          <a:prstGeom prst="snip2DiagRect">
-            <a:avLst>
-              <a:gd name="adj1" fmla="val 10815"/>
-              <a:gd name="adj2" fmla="val 0"/>
-            </a:avLst>
-          </a:prstGeom>
-          <a:ln w="15875">
-            <a:solidFill>
-              <a:schemeClr val="tx1">
-                <a:alpha val="40000"/>
-              </a:schemeClr>
-            </a:solidFill>
-          </a:ln>
-          <a:effectLst>
-            <a:innerShdw blurRad="57150" dist="38100" dir="14460000">
-              <a:srgbClr val="000000">
-                <a:alpha val="70000"/>
-              </a:srgbClr>
-            </a:innerShdw>
-          </a:effectLst>
         </p:spPr>
         <p:txBody>
           <a:bodyPr anchor="t">
@@ -4372,18 +4507,18 @@
         </p:nvSpPr>
         <p:spPr>
           <a:xfrm>
-            <a:off x="4722812" y="2777066"/>
-            <a:ext cx="6021388" cy="2048933"/>
+            <a:off x="677334" y="5367338"/>
+            <a:ext cx="8596667" cy="674024"/>
           </a:xfrm>
         </p:spPr>
         <p:txBody>
-          <a:bodyPr anchor="t">
+          <a:bodyPr>
             <a:normAutofit/>
           </a:bodyPr>
           <a:lstStyle>
             <a:lvl1pPr marL="0" indent="0">
               <a:buNone/>
-              <a:defRPr sz="1800"/>
+              <a:defRPr sz="1200"/>
             </a:lvl1pPr>
             <a:lvl2pPr marL="457200" indent="0">
               <a:buNone/>
@@ -4444,7 +4579,7 @@
           <a:p>
             <a:fld id="{F6D0D6D5-A1A0-4D4A-85D4-86081AAB827E}" type="datetimeFigureOut">
               <a:rPr lang="en-CA" smtClean="0"/>
-              <a:t>2017-09-16</a:t>
+              <a:t>2018-02-17</a:t>
             </a:fld>
             <a:endParaRPr lang="en-CA"/>
           </a:p>
@@ -4495,7 +4630,7 @@
     </p:spTree>
     <p:extLst>
       <p:ext uri="{BB962C8B-B14F-4D97-AF65-F5344CB8AC3E}">
-        <p14:creationId xmlns:p14="http://schemas.microsoft.com/office/powerpoint/2010/main" val="3777006567"/>
+        <p14:creationId xmlns:p14="http://schemas.microsoft.com/office/powerpoint/2010/main" val="2284634499"/>
       </p:ext>
     </p:extLst>
   </p:cSld>
@@ -4509,8 +4644,8 @@
 <p:sldMaster xmlns:a="http://schemas.openxmlformats.org/drawingml/2006/main" xmlns:r="http://schemas.openxmlformats.org/officeDocument/2006/relationships" xmlns:p="http://schemas.openxmlformats.org/presentationml/2006/main">
   <p:cSld>
     <p:bg>
-      <p:bgRef idx="1002">
-        <a:schemeClr val="bg2"/>
+      <p:bgRef idx="1001">
+        <a:schemeClr val="bg1"/>
       </p:bgRef>
     </p:bg>
     <p:spTree>
@@ -4535,29 +4670,31 @@
         </p:nvGrpSpPr>
         <p:grpSpPr>
           <a:xfrm>
-            <a:off x="9206969" y="2963333"/>
-            <a:ext cx="2981858" cy="3208867"/>
-            <a:chOff x="9206969" y="2963333"/>
-            <a:chExt cx="2981858" cy="3208867"/>
+            <a:off x="0" y="-8467"/>
+            <a:ext cx="12192000" cy="6866467"/>
+            <a:chOff x="0" y="-8467"/>
+            <a:chExt cx="12192000" cy="6866467"/>
           </a:xfrm>
         </p:grpSpPr>
         <p:cxnSp>
           <p:nvCxnSpPr>
-            <p:cNvPr id="8" name="Straight Connector 7"/>
+            <p:cNvPr id="20" name="Straight Connector 19"/>
             <p:cNvCxnSpPr/>
             <p:nvPr/>
           </p:nvCxnSpPr>
           <p:spPr>
-            <a:xfrm flipH="1">
-              <a:off x="11276012" y="2963333"/>
-              <a:ext cx="912814" cy="912812"/>
+            <a:xfrm>
+              <a:off x="9371012" y="0"/>
+              <a:ext cx="1219200" cy="6858000"/>
             </a:xfrm>
             <a:prstGeom prst="line">
               <a:avLst/>
             </a:prstGeom>
             <a:ln w="9525">
               <a:solidFill>
-                <a:schemeClr val="tx1"/>
+                <a:schemeClr val="bg1">
+                  <a:lumMod val="75000"/>
+                </a:schemeClr>
               </a:solidFill>
             </a:ln>
           </p:spPr>
@@ -4578,21 +4715,23 @@
         </p:cxnSp>
         <p:cxnSp>
           <p:nvCxnSpPr>
-            <p:cNvPr id="9" name="Straight Connector 8"/>
+            <p:cNvPr id="21" name="Straight Connector 20"/>
             <p:cNvCxnSpPr/>
             <p:nvPr/>
           </p:nvCxnSpPr>
           <p:spPr>
             <a:xfrm flipH="1">
-              <a:off x="9206969" y="3190344"/>
-              <a:ext cx="2981857" cy="2981856"/>
+              <a:off x="7425267" y="3681413"/>
+              <a:ext cx="4763558" cy="3176587"/>
             </a:xfrm>
             <a:prstGeom prst="line">
               <a:avLst/>
             </a:prstGeom>
             <a:ln w="9525">
               <a:solidFill>
-                <a:schemeClr val="tx1"/>
+                <a:schemeClr val="bg1">
+                  <a:lumMod val="85000"/>
+                </a:schemeClr>
               </a:solidFill>
             </a:ln>
           </p:spPr>
@@ -4611,111 +4750,447 @@
             </a:fontRef>
           </p:style>
         </p:cxnSp>
-        <p:cxnSp>
-          <p:nvCxnSpPr>
-            <p:cNvPr id="10" name="Straight Connector 9"/>
-            <p:cNvCxnSpPr/>
+        <p:sp>
+          <p:nvSpPr>
+            <p:cNvPr id="22" name="Rectangle 23"/>
+            <p:cNvSpPr/>
             <p:nvPr/>
-          </p:nvCxnSpPr>
+          </p:nvSpPr>
           <p:spPr>
-            <a:xfrm flipH="1">
-              <a:off x="10292292" y="3285067"/>
-              <a:ext cx="1896534" cy="1896533"/>
+            <a:xfrm>
+              <a:off x="9181476" y="-8467"/>
+              <a:ext cx="3007349" cy="6866467"/>
             </a:xfrm>
-            <a:prstGeom prst="line">
+            <a:custGeom>
               <a:avLst/>
-            </a:prstGeom>
-            <a:ln w="9525">
-              <a:solidFill>
-                <a:schemeClr val="tx1"/>
-              </a:solidFill>
+              <a:gdLst/>
+              <a:ahLst/>
+              <a:cxnLst/>
+              <a:rect l="l" t="t" r="r" b="b"/>
+              <a:pathLst>
+                <a:path w="3007349" h="6866467">
+                  <a:moveTo>
+                    <a:pt x="2045532" y="0"/>
+                  </a:moveTo>
+                  <a:lnTo>
+                    <a:pt x="3007349" y="0"/>
+                  </a:lnTo>
+                  <a:lnTo>
+                    <a:pt x="3007349" y="6866467"/>
+                  </a:lnTo>
+                  <a:lnTo>
+                    <a:pt x="0" y="6866467"/>
+                  </a:lnTo>
+                  <a:lnTo>
+                    <a:pt x="2045532" y="0"/>
+                  </a:lnTo>
+                  <a:close/>
+                </a:path>
+              </a:pathLst>
+            </a:custGeom>
+            <a:solidFill>
+              <a:schemeClr val="accent1">
+                <a:alpha val="30000"/>
+              </a:schemeClr>
+            </a:solidFill>
+            <a:ln>
+              <a:noFill/>
             </a:ln>
+            <a:effectLst/>
           </p:spPr>
           <p:style>
-            <a:lnRef idx="2">
+            <a:lnRef idx="1">
               <a:schemeClr val="accent1"/>
             </a:lnRef>
-            <a:fillRef idx="0">
+            <a:fillRef idx="3">
               <a:schemeClr val="accent1"/>
             </a:fillRef>
-            <a:effectRef idx="1">
+            <a:effectRef idx="2">
               <a:schemeClr val="accent1"/>
             </a:effectRef>
             <a:fontRef idx="minor">
-              <a:schemeClr val="tx1"/>
+              <a:schemeClr val="lt1"/>
             </a:fontRef>
           </p:style>
-        </p:cxnSp>
-        <p:cxnSp>
-          <p:nvCxnSpPr>
-            <p:cNvPr id="11" name="Straight Connector 10"/>
-            <p:cNvCxnSpPr/>
+        </p:sp>
+        <p:sp>
+          <p:nvSpPr>
+            <p:cNvPr id="23" name="Rectangle 25"/>
+            <p:cNvSpPr/>
             <p:nvPr/>
-          </p:nvCxnSpPr>
+          </p:nvSpPr>
           <p:spPr>
-            <a:xfrm flipH="1">
-              <a:off x="10443103" y="3131080"/>
-              <a:ext cx="1745722" cy="1745720"/>
+            <a:xfrm>
+              <a:off x="9603442" y="-8467"/>
+              <a:ext cx="2588558" cy="6866467"/>
             </a:xfrm>
-            <a:prstGeom prst="line">
+            <a:custGeom>
               <a:avLst/>
-            </a:prstGeom>
-            <a:ln w="28575">
-              <a:solidFill>
-                <a:schemeClr val="tx1"/>
-              </a:solidFill>
+              <a:gdLst/>
+              <a:ahLst/>
+              <a:cxnLst/>
+              <a:rect l="l" t="t" r="r" b="b"/>
+              <a:pathLst>
+                <a:path w="2573311" h="6866467">
+                  <a:moveTo>
+                    <a:pt x="0" y="0"/>
+                  </a:moveTo>
+                  <a:lnTo>
+                    <a:pt x="2573311" y="0"/>
+                  </a:lnTo>
+                  <a:lnTo>
+                    <a:pt x="2573311" y="6866467"/>
+                  </a:lnTo>
+                  <a:lnTo>
+                    <a:pt x="1202336" y="6866467"/>
+                  </a:lnTo>
+                  <a:lnTo>
+                    <a:pt x="0" y="0"/>
+                  </a:lnTo>
+                  <a:close/>
+                </a:path>
+              </a:pathLst>
+            </a:custGeom>
+            <a:solidFill>
+              <a:schemeClr val="accent1">
+                <a:alpha val="20000"/>
+              </a:schemeClr>
+            </a:solidFill>
+            <a:ln>
+              <a:noFill/>
             </a:ln>
+            <a:effectLst/>
           </p:spPr>
           <p:style>
-            <a:lnRef idx="2">
+            <a:lnRef idx="1">
               <a:schemeClr val="accent1"/>
             </a:lnRef>
-            <a:fillRef idx="0">
+            <a:fillRef idx="3">
               <a:schemeClr val="accent1"/>
             </a:fillRef>
-            <a:effectRef idx="1">
+            <a:effectRef idx="2">
               <a:schemeClr val="accent1"/>
             </a:effectRef>
             <a:fontRef idx="minor">
-              <a:schemeClr val="tx1"/>
+              <a:schemeClr val="lt1"/>
             </a:fontRef>
           </p:style>
-        </p:cxnSp>
-        <p:cxnSp>
-          <p:nvCxnSpPr>
-            <p:cNvPr id="12" name="Straight Connector 11"/>
-            <p:cNvCxnSpPr/>
+        </p:sp>
+        <p:sp>
+          <p:nvSpPr>
+            <p:cNvPr id="24" name="Isosceles Triangle 23"/>
+            <p:cNvSpPr/>
             <p:nvPr/>
-          </p:nvCxnSpPr>
+          </p:nvSpPr>
           <p:spPr>
-            <a:xfrm flipH="1">
-              <a:off x="10918826" y="3683001"/>
-              <a:ext cx="1270001" cy="1269999"/>
+            <a:xfrm>
+              <a:off x="8932333" y="3048000"/>
+              <a:ext cx="3259667" cy="3810000"/>
             </a:xfrm>
-            <a:prstGeom prst="line">
-              <a:avLst/>
+            <a:prstGeom prst="triangle">
+              <a:avLst>
+                <a:gd name="adj" fmla="val 100000"/>
+              </a:avLst>
             </a:prstGeom>
-            <a:ln w="28575">
-              <a:solidFill>
-                <a:schemeClr val="tx1"/>
-              </a:solidFill>
+            <a:solidFill>
+              <a:schemeClr val="accent2">
+                <a:alpha val="72000"/>
+              </a:schemeClr>
+            </a:solidFill>
+            <a:ln>
+              <a:noFill/>
             </a:ln>
+            <a:effectLst/>
           </p:spPr>
           <p:style>
-            <a:lnRef idx="2">
+            <a:lnRef idx="1">
               <a:schemeClr val="accent1"/>
             </a:lnRef>
-            <a:fillRef idx="0">
+            <a:fillRef idx="3">
               <a:schemeClr val="accent1"/>
             </a:fillRef>
-            <a:effectRef idx="1">
+            <a:effectRef idx="2">
               <a:schemeClr val="accent1"/>
             </a:effectRef>
             <a:fontRef idx="minor">
-              <a:schemeClr val="tx1"/>
+              <a:schemeClr val="lt1"/>
             </a:fontRef>
           </p:style>
-        </p:cxnSp>
+        </p:sp>
+        <p:sp>
+          <p:nvSpPr>
+            <p:cNvPr id="25" name="Rectangle 27"/>
+            <p:cNvSpPr/>
+            <p:nvPr/>
+          </p:nvSpPr>
+          <p:spPr>
+            <a:xfrm>
+              <a:off x="9334500" y="-8467"/>
+              <a:ext cx="2854326" cy="6866467"/>
+            </a:xfrm>
+            <a:custGeom>
+              <a:avLst/>
+              <a:gdLst/>
+              <a:ahLst/>
+              <a:cxnLst/>
+              <a:rect l="l" t="t" r="r" b="b"/>
+              <a:pathLst>
+                <a:path w="2858013" h="6866467">
+                  <a:moveTo>
+                    <a:pt x="0" y="0"/>
+                  </a:moveTo>
+                  <a:lnTo>
+                    <a:pt x="2858013" y="0"/>
+                  </a:lnTo>
+                  <a:lnTo>
+                    <a:pt x="2858013" y="6866467"/>
+                  </a:lnTo>
+                  <a:lnTo>
+                    <a:pt x="2473942" y="6866467"/>
+                  </a:lnTo>
+                  <a:lnTo>
+                    <a:pt x="0" y="0"/>
+                  </a:lnTo>
+                  <a:close/>
+                </a:path>
+              </a:pathLst>
+            </a:custGeom>
+            <a:solidFill>
+              <a:schemeClr val="accent2">
+                <a:lumMod val="75000"/>
+                <a:alpha val="70000"/>
+              </a:schemeClr>
+            </a:solidFill>
+            <a:ln>
+              <a:noFill/>
+            </a:ln>
+            <a:effectLst/>
+          </p:spPr>
+          <p:style>
+            <a:lnRef idx="1">
+              <a:schemeClr val="accent1"/>
+            </a:lnRef>
+            <a:fillRef idx="3">
+              <a:schemeClr val="accent1"/>
+            </a:fillRef>
+            <a:effectRef idx="2">
+              <a:schemeClr val="accent1"/>
+            </a:effectRef>
+            <a:fontRef idx="minor">
+              <a:schemeClr val="lt1"/>
+            </a:fontRef>
+          </p:style>
+        </p:sp>
+        <p:sp>
+          <p:nvSpPr>
+            <p:cNvPr id="26" name="Rectangle 28"/>
+            <p:cNvSpPr/>
+            <p:nvPr/>
+          </p:nvSpPr>
+          <p:spPr>
+            <a:xfrm>
+              <a:off x="10898730" y="-8467"/>
+              <a:ext cx="1290094" cy="6866467"/>
+            </a:xfrm>
+            <a:custGeom>
+              <a:avLst/>
+              <a:gdLst/>
+              <a:ahLst/>
+              <a:cxnLst/>
+              <a:rect l="l" t="t" r="r" b="b"/>
+              <a:pathLst>
+                <a:path w="1290094" h="6858000">
+                  <a:moveTo>
+                    <a:pt x="1019735" y="0"/>
+                  </a:moveTo>
+                  <a:lnTo>
+                    <a:pt x="1290094" y="0"/>
+                  </a:lnTo>
+                  <a:lnTo>
+                    <a:pt x="1290094" y="6858000"/>
+                  </a:lnTo>
+                  <a:lnTo>
+                    <a:pt x="0" y="6858000"/>
+                  </a:lnTo>
+                  <a:lnTo>
+                    <a:pt x="1019735" y="0"/>
+                  </a:lnTo>
+                  <a:close/>
+                </a:path>
+              </a:pathLst>
+            </a:custGeom>
+            <a:solidFill>
+              <a:schemeClr val="accent1">
+                <a:lumMod val="60000"/>
+                <a:lumOff val="40000"/>
+                <a:alpha val="70000"/>
+              </a:schemeClr>
+            </a:solidFill>
+            <a:ln>
+              <a:noFill/>
+            </a:ln>
+            <a:effectLst/>
+          </p:spPr>
+          <p:style>
+            <a:lnRef idx="1">
+              <a:schemeClr val="accent1"/>
+            </a:lnRef>
+            <a:fillRef idx="3">
+              <a:schemeClr val="accent1"/>
+            </a:fillRef>
+            <a:effectRef idx="2">
+              <a:schemeClr val="accent1"/>
+            </a:effectRef>
+            <a:fontRef idx="minor">
+              <a:schemeClr val="lt1"/>
+            </a:fontRef>
+          </p:style>
+        </p:sp>
+        <p:sp>
+          <p:nvSpPr>
+            <p:cNvPr id="27" name="Rectangle 29"/>
+            <p:cNvSpPr/>
+            <p:nvPr/>
+          </p:nvSpPr>
+          <p:spPr>
+            <a:xfrm>
+              <a:off x="10938999" y="-8467"/>
+              <a:ext cx="1249825" cy="6866467"/>
+            </a:xfrm>
+            <a:custGeom>
+              <a:avLst/>
+              <a:gdLst/>
+              <a:ahLst/>
+              <a:cxnLst/>
+              <a:rect l="l" t="t" r="r" b="b"/>
+              <a:pathLst>
+                <a:path w="1249825" h="6858000">
+                  <a:moveTo>
+                    <a:pt x="0" y="0"/>
+                  </a:moveTo>
+                  <a:lnTo>
+                    <a:pt x="1249825" y="0"/>
+                  </a:lnTo>
+                  <a:lnTo>
+                    <a:pt x="1249825" y="6858000"/>
+                  </a:lnTo>
+                  <a:lnTo>
+                    <a:pt x="1109382" y="6858000"/>
+                  </a:lnTo>
+                  <a:lnTo>
+                    <a:pt x="0" y="0"/>
+                  </a:lnTo>
+                  <a:close/>
+                </a:path>
+              </a:pathLst>
+            </a:custGeom>
+            <a:solidFill>
+              <a:schemeClr val="accent1">
+                <a:alpha val="65000"/>
+              </a:schemeClr>
+            </a:solidFill>
+            <a:ln>
+              <a:noFill/>
+            </a:ln>
+            <a:effectLst/>
+          </p:spPr>
+          <p:style>
+            <a:lnRef idx="1">
+              <a:schemeClr val="accent1"/>
+            </a:lnRef>
+            <a:fillRef idx="3">
+              <a:schemeClr val="accent1"/>
+            </a:fillRef>
+            <a:effectRef idx="2">
+              <a:schemeClr val="accent1"/>
+            </a:effectRef>
+            <a:fontRef idx="minor">
+              <a:schemeClr val="lt1"/>
+            </a:fontRef>
+          </p:style>
+        </p:sp>
+        <p:sp>
+          <p:nvSpPr>
+            <p:cNvPr id="28" name="Isosceles Triangle 27"/>
+            <p:cNvSpPr/>
+            <p:nvPr/>
+          </p:nvSpPr>
+          <p:spPr>
+            <a:xfrm>
+              <a:off x="10371666" y="3589867"/>
+              <a:ext cx="1817159" cy="3268133"/>
+            </a:xfrm>
+            <a:prstGeom prst="triangle">
+              <a:avLst>
+                <a:gd name="adj" fmla="val 100000"/>
+              </a:avLst>
+            </a:prstGeom>
+            <a:solidFill>
+              <a:schemeClr val="accent1">
+                <a:alpha val="80000"/>
+              </a:schemeClr>
+            </a:solidFill>
+            <a:ln>
+              <a:noFill/>
+            </a:ln>
+            <a:effectLst/>
+          </p:spPr>
+          <p:style>
+            <a:lnRef idx="1">
+              <a:schemeClr val="accent1"/>
+            </a:lnRef>
+            <a:fillRef idx="3">
+              <a:schemeClr val="accent1"/>
+            </a:fillRef>
+            <a:effectRef idx="2">
+              <a:schemeClr val="accent1"/>
+            </a:effectRef>
+            <a:fontRef idx="minor">
+              <a:schemeClr val="lt1"/>
+            </a:fontRef>
+          </p:style>
+        </p:sp>
+        <p:sp>
+          <p:nvSpPr>
+            <p:cNvPr id="29" name="Isosceles Triangle 28"/>
+            <p:cNvSpPr/>
+            <p:nvPr/>
+          </p:nvSpPr>
+          <p:spPr>
+            <a:xfrm>
+              <a:off x="0" y="4013200"/>
+              <a:ext cx="448733" cy="2844800"/>
+            </a:xfrm>
+            <a:prstGeom prst="triangle">
+              <a:avLst>
+                <a:gd name="adj" fmla="val 0"/>
+              </a:avLst>
+            </a:prstGeom>
+            <a:solidFill>
+              <a:schemeClr val="accent1">
+                <a:alpha val="85000"/>
+              </a:schemeClr>
+            </a:solidFill>
+            <a:ln>
+              <a:noFill/>
+            </a:ln>
+            <a:effectLst/>
+          </p:spPr>
+          <p:style>
+            <a:lnRef idx="1">
+              <a:schemeClr val="accent1"/>
+            </a:lnRef>
+            <a:fillRef idx="3">
+              <a:schemeClr val="accent1"/>
+            </a:fillRef>
+            <a:effectRef idx="2">
+              <a:schemeClr val="accent1"/>
+            </a:effectRef>
+            <a:fontRef idx="minor">
+              <a:schemeClr val="lt1"/>
+            </a:fontRef>
+          </p:style>
+        </p:sp>
       </p:grpSp>
       <p:sp>
         <p:nvSpPr>
@@ -4729,85 +5204,22 @@
         </p:nvSpPr>
         <p:spPr>
           <a:xfrm>
-            <a:off x="684212" y="4487332"/>
-            <a:ext cx="8534400" cy="1507067"/>
-          </a:xfrm>
-          <a:prstGeom prst="rect">
-            <a:avLst/>
-          </a:prstGeom>
-          <a:effectLst/>
-        </p:spPr>
-        <p:txBody>
-          <a:bodyPr vert="horz" lIns="91440" tIns="45720" rIns="91440" bIns="45720" rtlCol="0" anchor="ctr">
-            <a:normAutofit/>
-          </a:bodyPr>
-          <a:lstStyle/>
-          <a:p>
-            <a:r>
-              <a:rPr lang="en-US"/>
-              <a:t>Click to edit Master title style</a:t>
-            </a:r>
-            <a:endParaRPr lang="en-US" dirty="0"/>
-          </a:p>
-        </p:txBody>
-      </p:sp>
-      <p:sp>
-        <p:nvSpPr>
-          <p:cNvPr id="3" name="Text Placeholder 2"/>
-          <p:cNvSpPr>
-            <a:spLocks noGrp="1"/>
-          </p:cNvSpPr>
-          <p:nvPr>
-            <p:ph type="body" idx="1"/>
-          </p:nvPr>
-        </p:nvSpPr>
-        <p:spPr>
-          <a:xfrm>
-            <a:off x="684212" y="685800"/>
-            <a:ext cx="8534400" cy="3615267"/>
+            <a:off x="677334" y="609600"/>
+            <a:ext cx="8596668" cy="1320800"/>
           </a:xfrm>
           <a:prstGeom prst="rect">
             <a:avLst/>
           </a:prstGeom>
         </p:spPr>
         <p:txBody>
-          <a:bodyPr vert="horz" lIns="91440" tIns="45720" rIns="91440" bIns="45720" rtlCol="0" anchor="ctr">
+          <a:bodyPr vert="horz" lIns="91440" tIns="45720" rIns="91440" bIns="45720" rtlCol="0" anchor="t">
             <a:normAutofit/>
           </a:bodyPr>
           <a:lstStyle/>
           <a:p>
-            <a:pPr lvl="0"/>
             <a:r>
               <a:rPr lang="en-US"/>
-              <a:t>Edit Master text styles</a:t>
-            </a:r>
-          </a:p>
-          <a:p>
-            <a:pPr lvl="1"/>
-            <a:r>
-              <a:rPr lang="en-US"/>
-              <a:t>Second level</a:t>
-            </a:r>
-          </a:p>
-          <a:p>
-            <a:pPr lvl="2"/>
-            <a:r>
-              <a:rPr lang="en-US"/>
-              <a:t>Third level</a:t>
-            </a:r>
-          </a:p>
-          <a:p>
-            <a:pPr lvl="3"/>
-            <a:r>
-              <a:rPr lang="en-US"/>
-              <a:t>Fourth level</a:t>
-            </a:r>
-          </a:p>
-          <a:p>
-            <a:pPr lvl="4"/>
-            <a:r>
-              <a:rPr lang="en-US"/>
-              <a:t>Fifth level</a:t>
+              <a:t>Click to edit Master title style</a:t>
             </a:r>
             <a:endParaRPr lang="en-US" dirty="0"/>
           </a:p>
@@ -4815,117 +5227,171 @@
       </p:sp>
       <p:sp>
         <p:nvSpPr>
-          <p:cNvPr id="4" name="Date Placeholder 3"/>
-          <p:cNvSpPr>
-            <a:spLocks noGrp="1"/>
-          </p:cNvSpPr>
-          <p:nvPr>
-            <p:ph type="dt" sz="half" idx="2"/>
+          <p:cNvPr id="3" name="Text Placeholder 2"/>
+          <p:cNvSpPr>
+            <a:spLocks noGrp="1"/>
+          </p:cNvSpPr>
+          <p:nvPr>
+            <p:ph type="body" idx="1"/>
           </p:nvPr>
         </p:nvSpPr>
         <p:spPr>
           <a:xfrm>
-            <a:off x="9904412" y="6172200"/>
-            <a:ext cx="1600200" cy="365125"/>
+            <a:off x="677334" y="2160589"/>
+            <a:ext cx="8596668" cy="3880773"/>
           </a:xfrm>
           <a:prstGeom prst="rect">
             <a:avLst/>
           </a:prstGeom>
         </p:spPr>
         <p:txBody>
-          <a:bodyPr vert="horz" lIns="91440" tIns="45720" rIns="91440" bIns="45720" rtlCol="0" anchor="t"/>
-          <a:lstStyle>
-            <a:lvl1pPr algn="r">
-              <a:defRPr sz="1000" b="0" i="0">
-                <a:solidFill>
-                  <a:schemeClr val="bg2">
-                    <a:lumMod val="50000"/>
-                  </a:schemeClr>
-                </a:solidFill>
-                <a:effectLst/>
-                <a:latin typeface="+mn-lt"/>
-              </a:defRPr>
-            </a:lvl1pPr>
-          </a:lstStyle>
-          <a:p>
-            <a:fld id="{F6D0D6D5-A1A0-4D4A-85D4-86081AAB827E}" type="datetimeFigureOut">
-              <a:rPr lang="en-CA" smtClean="0"/>
-              <a:t>2017-09-16</a:t>
-            </a:fld>
-            <a:endParaRPr lang="en-CA"/>
-          </a:p>
-        </p:txBody>
-      </p:sp>
-      <p:sp>
-        <p:nvSpPr>
-          <p:cNvPr id="5" name="Footer Placeholder 4"/>
-          <p:cNvSpPr>
-            <a:spLocks noGrp="1"/>
-          </p:cNvSpPr>
-          <p:nvPr>
-            <p:ph type="ftr" sz="quarter" idx="3"/>
+          <a:bodyPr vert="horz" lIns="91440" tIns="45720" rIns="91440" bIns="45720" rtlCol="0">
+            <a:normAutofit/>
+          </a:bodyPr>
+          <a:lstStyle/>
+          <a:p>
+            <a:pPr lvl="0"/>
+            <a:r>
+              <a:rPr lang="en-US"/>
+              <a:t>Edit Master text styles</a:t>
+            </a:r>
+          </a:p>
+          <a:p>
+            <a:pPr lvl="1"/>
+            <a:r>
+              <a:rPr lang="en-US"/>
+              <a:t>Second level</a:t>
+            </a:r>
+          </a:p>
+          <a:p>
+            <a:pPr lvl="2"/>
+            <a:r>
+              <a:rPr lang="en-US"/>
+              <a:t>Third level</a:t>
+            </a:r>
+          </a:p>
+          <a:p>
+            <a:pPr lvl="3"/>
+            <a:r>
+              <a:rPr lang="en-US"/>
+              <a:t>Fourth level</a:t>
+            </a:r>
+          </a:p>
+          <a:p>
+            <a:pPr lvl="4"/>
+            <a:r>
+              <a:rPr lang="en-US"/>
+              <a:t>Fifth level</a:t>
+            </a:r>
+            <a:endParaRPr lang="en-US" dirty="0"/>
+          </a:p>
+        </p:txBody>
+      </p:sp>
+      <p:sp>
+        <p:nvSpPr>
+          <p:cNvPr id="4" name="Date Placeholder 3"/>
+          <p:cNvSpPr>
+            <a:spLocks noGrp="1"/>
+          </p:cNvSpPr>
+          <p:nvPr>
+            <p:ph type="dt" sz="half" idx="2"/>
           </p:nvPr>
         </p:nvSpPr>
         <p:spPr>
           <a:xfrm>
-            <a:off x="684212" y="6172200"/>
-            <a:ext cx="7543800" cy="365125"/>
+            <a:off x="7205133" y="6041362"/>
+            <a:ext cx="911939" cy="365125"/>
           </a:xfrm>
           <a:prstGeom prst="rect">
             <a:avLst/>
           </a:prstGeom>
         </p:spPr>
         <p:txBody>
-          <a:bodyPr vert="horz" lIns="91440" tIns="45720" rIns="91440" bIns="45720" rtlCol="0" anchor="t"/>
+          <a:bodyPr vert="horz" lIns="91440" tIns="45720" rIns="91440" bIns="45720" rtlCol="0" anchor="ctr"/>
           <a:lstStyle>
-            <a:lvl1pPr algn="l">
-              <a:defRPr sz="1000" b="0" i="0">
+            <a:lvl1pPr algn="r">
+              <a:defRPr sz="900">
                 <a:solidFill>
-                  <a:schemeClr val="bg2">
-                    <a:lumMod val="50000"/>
+                  <a:schemeClr val="tx1">
+                    <a:tint val="75000"/>
                   </a:schemeClr>
                 </a:solidFill>
-                <a:effectLst/>
-                <a:latin typeface="+mn-lt"/>
               </a:defRPr>
             </a:lvl1pPr>
           </a:lstStyle>
           <a:p>
+            <a:fld id="{F6D0D6D5-A1A0-4D4A-85D4-86081AAB827E}" type="datetimeFigureOut">
+              <a:rPr lang="en-CA" smtClean="0"/>
+              <a:t>2018-02-17</a:t>
+            </a:fld>
             <a:endParaRPr lang="en-CA"/>
           </a:p>
         </p:txBody>
       </p:sp>
       <p:sp>
         <p:nvSpPr>
-          <p:cNvPr id="6" name="Slide Number Placeholder 5"/>
-          <p:cNvSpPr>
-            <a:spLocks noGrp="1"/>
-          </p:cNvSpPr>
-          <p:nvPr>
-            <p:ph type="sldNum" sz="quarter" idx="4"/>
+          <p:cNvPr id="5" name="Footer Placeholder 4"/>
+          <p:cNvSpPr>
+            <a:spLocks noGrp="1"/>
+          </p:cNvSpPr>
+          <p:nvPr>
+            <p:ph type="ftr" sz="quarter" idx="3"/>
           </p:nvPr>
         </p:nvSpPr>
         <p:spPr>
           <a:xfrm>
-            <a:off x="10363200" y="5578475"/>
-            <a:ext cx="1142245" cy="669925"/>
+            <a:off x="677334" y="6041362"/>
+            <a:ext cx="6297612" cy="365125"/>
           </a:xfrm>
           <a:prstGeom prst="rect">
             <a:avLst/>
           </a:prstGeom>
         </p:spPr>
         <p:txBody>
-          <a:bodyPr vert="horz" lIns="91440" tIns="45720" rIns="91440" bIns="45720" rtlCol="0" anchor="b"/>
+          <a:bodyPr vert="horz" lIns="91440" tIns="45720" rIns="91440" bIns="45720" rtlCol="0" anchor="ctr"/>
+          <a:lstStyle>
+            <a:lvl1pPr algn="l">
+              <a:defRPr sz="900">
+                <a:solidFill>
+                  <a:schemeClr val="tx1">
+                    <a:tint val="75000"/>
+                  </a:schemeClr>
+                </a:solidFill>
+              </a:defRPr>
+            </a:lvl1pPr>
+          </a:lstStyle>
+          <a:p>
+            <a:endParaRPr lang="en-CA"/>
+          </a:p>
+        </p:txBody>
+      </p:sp>
+      <p:sp>
+        <p:nvSpPr>
+          <p:cNvPr id="6" name="Slide Number Placeholder 5"/>
+          <p:cNvSpPr>
+            <a:spLocks noGrp="1"/>
+          </p:cNvSpPr>
+          <p:nvPr>
+            <p:ph type="sldNum" sz="quarter" idx="4"/>
+          </p:nvPr>
+        </p:nvSpPr>
+        <p:spPr>
+          <a:xfrm>
+            <a:off x="8590663" y="6041362"/>
+            <a:ext cx="683339" cy="365125"/>
+          </a:xfrm>
+          <a:prstGeom prst="rect">
+            <a:avLst/>
+          </a:prstGeom>
+        </p:spPr>
+        <p:txBody>
+          <a:bodyPr vert="horz" lIns="91440" tIns="45720" rIns="91440" bIns="45720" rtlCol="0" anchor="ctr"/>
           <a:lstStyle>
             <a:lvl1pPr algn="r">
-              <a:defRPr sz="3200" b="0" i="0">
+              <a:defRPr sz="900">
                 <a:solidFill>
-                  <a:schemeClr val="bg2">
-                    <a:lumMod val="50000"/>
-                  </a:schemeClr>
+                  <a:schemeClr val="accent1"/>
                 </a:solidFill>
-                <a:effectLst/>
-                <a:latin typeface="+mn-lt"/>
               </a:defRPr>
             </a:lvl1pPr>
           </a:lstStyle>
@@ -4941,29 +5407,28 @@
     </p:spTree>
     <p:extLst>
       <p:ext uri="{BB962C8B-B14F-4D97-AF65-F5344CB8AC3E}">
-        <p14:creationId xmlns:p14="http://schemas.microsoft.com/office/powerpoint/2010/main" val="1595660616"/>
+        <p14:creationId xmlns:p14="http://schemas.microsoft.com/office/powerpoint/2010/main" val="1026192545"/>
       </p:ext>
     </p:extLst>
   </p:cSld>
-  <p:clrMap bg1="dk1" tx1="lt1" bg2="dk2" tx2="lt2" accent1="accent1" accent2="accent2" accent3="accent3" accent4="accent4" accent5="accent5" accent6="accent6" hlink="hlink" folHlink="folHlink"/>
+  <p:clrMap bg1="lt1" tx1="dk1" bg2="lt2" tx2="dk2" accent1="accent1" accent2="accent2" accent3="accent3" accent4="accent4" accent5="accent5" accent6="accent6" hlink="hlink" folHlink="folHlink"/>
   <p:sldLayoutIdLst>
-    <p:sldLayoutId id="2147484196" r:id="rId1"/>
-    <p:sldLayoutId id="2147484197" r:id="rId2"/>
-    <p:sldLayoutId id="2147484198" r:id="rId3"/>
-    <p:sldLayoutId id="2147484199" r:id="rId4"/>
-    <p:sldLayoutId id="2147484200" r:id="rId5"/>
-    <p:sldLayoutId id="2147484201" r:id="rId6"/>
-    <p:sldLayoutId id="2147484202" r:id="rId7"/>
-    <p:sldLayoutId id="2147484203" r:id="rId8"/>
-    <p:sldLayoutId id="2147484204" r:id="rId9"/>
-    <p:sldLayoutId id="2147484205" r:id="rId10"/>
-    <p:sldLayoutId id="2147484206" r:id="rId11"/>
-    <p:sldLayoutId id="2147484207" r:id="rId12"/>
-    <p:sldLayoutId id="2147484208" r:id="rId13"/>
-    <p:sldLayoutId id="2147484209" r:id="rId14"/>
-    <p:sldLayoutId id="2147484210" r:id="rId15"/>
-    <p:sldLayoutId id="2147484211" r:id="rId16"/>
-    <p:sldLayoutId id="2147484212" r:id="rId17"/>
+    <p:sldLayoutId id="2147484214" r:id="rId1"/>
+    <p:sldLayoutId id="2147484215" r:id="rId2"/>
+    <p:sldLayoutId id="2147484216" r:id="rId3"/>
+    <p:sldLayoutId id="2147484217" r:id="rId4"/>
+    <p:sldLayoutId id="2147484218" r:id="rId5"/>
+    <p:sldLayoutId id="2147484219" r:id="rId6"/>
+    <p:sldLayoutId id="2147484220" r:id="rId7"/>
+    <p:sldLayoutId id="2147484221" r:id="rId8"/>
+    <p:sldLayoutId id="2147484222" r:id="rId9"/>
+    <p:sldLayoutId id="2147484223" r:id="rId10"/>
+    <p:sldLayoutId id="2147484224" r:id="rId11"/>
+    <p:sldLayoutId id="2147484225" r:id="rId12"/>
+    <p:sldLayoutId id="2147484226" r:id="rId13"/>
+    <p:sldLayoutId id="2147484227" r:id="rId14"/>
+    <p:sldLayoutId id="2147484228" r:id="rId15"/>
+    <p:sldLayoutId id="2147484229" r:id="rId16"/>
   </p:sldLayoutIdLst>
   <p:txStyles>
     <p:titleStyle>
@@ -4972,14 +5437,10 @@
           <a:spcPct val="0"/>
         </a:spcBef>
         <a:buNone/>
-        <a:defRPr sz="3600" kern="1200" cap="all">
-          <a:ln w="3175" cmpd="sng">
-            <a:noFill/>
-          </a:ln>
+        <a:defRPr sz="3600" kern="1200">
           <a:solidFill>
-            <a:schemeClr val="tx1"/>
+            <a:schemeClr val="accent1"/>
           </a:solidFill>
-          <a:effectLst/>
           <a:latin typeface="+mj-lt"/>
           <a:ea typeface="+mj-ea"/>
           <a:cs typeface="+mj-cs"/>
@@ -5043,26 +5504,26 @@
       </a:lvl9pPr>
     </p:titleStyle>
     <p:bodyStyle>
-      <a:lvl1pPr marL="285750" indent="-285750" algn="l" defTabSz="457200" rtl="0" eaLnBrk="1" latinLnBrk="0" hangingPunct="1">
+      <a:lvl1pPr marL="342900" indent="-342900" algn="l" defTabSz="457200" rtl="0" eaLnBrk="1" latinLnBrk="0" hangingPunct="1">
         <a:spcBef>
-          <a:spcPct val="20000"/>
+          <a:spcPts val="1000"/>
         </a:spcBef>
         <a:spcAft>
-          <a:spcPts val="600"/>
+          <a:spcPts val="0"/>
         </a:spcAft>
         <a:buClr>
-          <a:schemeClr val="tx1"/>
+          <a:schemeClr val="accent1"/>
         </a:buClr>
         <a:buSzPct val="80000"/>
-        <a:buFont typeface="Wingdings 3" panose="05040102010807070707" pitchFamily="18" charset="2"/>
-        <a:buChar char=""/>
-        <a:defRPr sz="2000" kern="1200" cap="none">
+        <a:buFont typeface="Wingdings 3" charset="2"/>
+        <a:buChar char=""/>
+        <a:defRPr sz="1800" kern="1200">
           <a:solidFill>
-            <a:schemeClr val="bg2">
+            <a:schemeClr val="tx1">
               <a:lumMod val="75000"/>
+              <a:lumOff val="25000"/>
             </a:schemeClr>
           </a:solidFill>
-          <a:effectLst/>
           <a:latin typeface="+mn-lt"/>
           <a:ea typeface="+mn-ea"/>
           <a:cs typeface="+mn-cs"/>
@@ -5070,99 +5531,99 @@
       </a:lvl1pPr>
       <a:lvl2pPr marL="742950" indent="-285750" algn="l" defTabSz="457200" rtl="0" eaLnBrk="1" latinLnBrk="0" hangingPunct="1">
         <a:spcBef>
-          <a:spcPct val="20000"/>
+          <a:spcPts val="1000"/>
         </a:spcBef>
         <a:spcAft>
-          <a:spcPts val="600"/>
+          <a:spcPts val="0"/>
         </a:spcAft>
         <a:buClr>
-          <a:schemeClr val="tx1"/>
+          <a:schemeClr val="accent1"/>
         </a:buClr>
         <a:buSzPct val="80000"/>
-        <a:buFont typeface="Wingdings 3" panose="05040102010807070707" pitchFamily="18" charset="2"/>
-        <a:buChar char=""/>
-        <a:defRPr sz="1800" kern="1200" cap="none">
+        <a:buFont typeface="Wingdings 3" charset="2"/>
+        <a:buChar char=""/>
+        <a:defRPr sz="1600" kern="1200">
           <a:solidFill>
-            <a:schemeClr val="bg2">
+            <a:schemeClr val="tx1">
               <a:lumMod val="75000"/>
+              <a:lumOff val="25000"/>
             </a:schemeClr>
           </a:solidFill>
-          <a:effectLst/>
           <a:latin typeface="+mn-lt"/>
           <a:ea typeface="+mn-ea"/>
           <a:cs typeface="+mn-cs"/>
         </a:defRPr>
       </a:lvl2pPr>
-      <a:lvl3pPr marL="1200150" indent="-285750" algn="l" defTabSz="457200" rtl="0" eaLnBrk="1" latinLnBrk="0" hangingPunct="1">
+      <a:lvl3pPr marL="1143000" indent="-228600" algn="l" defTabSz="457200" rtl="0" eaLnBrk="1" latinLnBrk="0" hangingPunct="1">
         <a:spcBef>
-          <a:spcPct val="20000"/>
+          <a:spcPts val="1000"/>
         </a:spcBef>
         <a:spcAft>
-          <a:spcPts val="600"/>
+          <a:spcPts val="0"/>
         </a:spcAft>
         <a:buClr>
-          <a:schemeClr val="tx1"/>
+          <a:schemeClr val="accent1"/>
         </a:buClr>
         <a:buSzPct val="80000"/>
-        <a:buFont typeface="Wingdings 3" panose="05040102010807070707" pitchFamily="18" charset="2"/>
-        <a:buChar char=""/>
-        <a:defRPr sz="1600" kern="1200" cap="none">
+        <a:buFont typeface="Wingdings 3" charset="2"/>
+        <a:buChar char=""/>
+        <a:defRPr sz="1400" kern="1200">
           <a:solidFill>
-            <a:schemeClr val="bg2">
+            <a:schemeClr val="tx1">
               <a:lumMod val="75000"/>
+              <a:lumOff val="25000"/>
             </a:schemeClr>
           </a:solidFill>
-          <a:effectLst/>
           <a:latin typeface="+mn-lt"/>
           <a:ea typeface="+mn-ea"/>
           <a:cs typeface="+mn-cs"/>
         </a:defRPr>
       </a:lvl3pPr>
-      <a:lvl4pPr marL="1543050" indent="-171450" algn="l" defTabSz="457200" rtl="0" eaLnBrk="1" latinLnBrk="0" hangingPunct="1">
+      <a:lvl4pPr marL="1600200" indent="-228600" algn="l" defTabSz="457200" rtl="0" eaLnBrk="1" latinLnBrk="0" hangingPunct="1">
         <a:spcBef>
-          <a:spcPct val="20000"/>
+          <a:spcPts val="1000"/>
         </a:spcBef>
         <a:spcAft>
-          <a:spcPts val="600"/>
+          <a:spcPts val="0"/>
         </a:spcAft>
         <a:buClr>
-          <a:schemeClr val="tx1"/>
+          <a:schemeClr val="accent1"/>
         </a:buClr>
         <a:buSzPct val="80000"/>
-        <a:buFont typeface="Wingdings 3" panose="05040102010807070707" pitchFamily="18" charset="2"/>
-        <a:buChar char=""/>
-        <a:defRPr sz="1400" kern="1200" cap="none">
+        <a:buFont typeface="Wingdings 3" charset="2"/>
+        <a:buChar char=""/>
+        <a:defRPr sz="1200" kern="1200">
           <a:solidFill>
-            <a:schemeClr val="bg2">
+            <a:schemeClr val="tx1">
               <a:lumMod val="75000"/>
+              <a:lumOff val="25000"/>
             </a:schemeClr>
           </a:solidFill>
-          <a:effectLst/>
           <a:latin typeface="+mn-lt"/>
           <a:ea typeface="+mn-ea"/>
           <a:cs typeface="+mn-cs"/>
         </a:defRPr>
       </a:lvl4pPr>
-      <a:lvl5pPr marL="2000250" indent="-171450" algn="l" defTabSz="457200" rtl="0" eaLnBrk="1" latinLnBrk="0" hangingPunct="1">
+      <a:lvl5pPr marL="2057400" indent="-228600" algn="l" defTabSz="457200" rtl="0" eaLnBrk="1" latinLnBrk="0" hangingPunct="1">
         <a:spcBef>
-          <a:spcPct val="20000"/>
+          <a:spcPts val="1000"/>
         </a:spcBef>
         <a:spcAft>
-          <a:spcPts val="600"/>
+          <a:spcPts val="0"/>
         </a:spcAft>
         <a:buClr>
-          <a:schemeClr val="tx1"/>
+          <a:schemeClr val="accent1"/>
         </a:buClr>
         <a:buSzPct val="80000"/>
-        <a:buFont typeface="Wingdings 3" panose="05040102010807070707" pitchFamily="18" charset="2"/>
-        <a:buChar char=""/>
-        <a:defRPr sz="1400" kern="1200" cap="none">
+        <a:buFont typeface="Wingdings 3" charset="2"/>
+        <a:buChar char=""/>
+        <a:defRPr sz="1200" kern="1200">
           <a:solidFill>
-            <a:schemeClr val="bg2">
+            <a:schemeClr val="tx1">
               <a:lumMod val="75000"/>
+              <a:lumOff val="25000"/>
             </a:schemeClr>
           </a:solidFill>
-          <a:effectLst/>
           <a:latin typeface="+mn-lt"/>
           <a:ea typeface="+mn-ea"/>
           <a:cs typeface="+mn-cs"/>
@@ -5170,24 +5631,24 @@
       </a:lvl5pPr>
       <a:lvl6pPr marL="2514600" indent="-228600" algn="l" defTabSz="457200" rtl="0" eaLnBrk="1" latinLnBrk="0" hangingPunct="1">
         <a:spcBef>
-          <a:spcPct val="20000"/>
+          <a:spcPts val="1000"/>
         </a:spcBef>
         <a:spcAft>
-          <a:spcPts val="600"/>
+          <a:spcPts val="0"/>
         </a:spcAft>
         <a:buClr>
-          <a:schemeClr val="tx1"/>
+          <a:schemeClr val="accent1"/>
         </a:buClr>
         <a:buSzPct val="80000"/>
-        <a:buFont typeface="Wingdings 3" panose="05040102010807070707" pitchFamily="18" charset="2"/>
-        <a:buChar char=""/>
-        <a:defRPr sz="1400" kern="1200" cap="none">
+        <a:buFont typeface="Wingdings 3" charset="2"/>
+        <a:buChar char=""/>
+        <a:defRPr sz="1200" kern="1200">
           <a:solidFill>
-            <a:schemeClr val="bg2">
+            <a:schemeClr val="tx1">
               <a:lumMod val="75000"/>
+              <a:lumOff val="25000"/>
             </a:schemeClr>
           </a:solidFill>
-          <a:effectLst/>
           <a:latin typeface="+mn-lt"/>
           <a:ea typeface="+mn-ea"/>
           <a:cs typeface="+mn-cs"/>
@@ -5195,24 +5656,24 @@
       </a:lvl6pPr>
       <a:lvl7pPr marL="2971800" indent="-228600" algn="l" defTabSz="457200" rtl="0" eaLnBrk="1" latinLnBrk="0" hangingPunct="1">
         <a:spcBef>
-          <a:spcPct val="20000"/>
+          <a:spcPts val="1000"/>
         </a:spcBef>
         <a:spcAft>
-          <a:spcPts val="600"/>
+          <a:spcPts val="0"/>
         </a:spcAft>
         <a:buClr>
-          <a:schemeClr val="tx1"/>
+          <a:schemeClr val="accent1"/>
         </a:buClr>
         <a:buSzPct val="80000"/>
-        <a:buFont typeface="Wingdings 3" panose="05040102010807070707" pitchFamily="18" charset="2"/>
-        <a:buChar char=""/>
-        <a:defRPr sz="1400" kern="1200" cap="none">
+        <a:buFont typeface="Wingdings 3" charset="2"/>
+        <a:buChar char=""/>
+        <a:defRPr sz="1200" kern="1200">
           <a:solidFill>
-            <a:schemeClr val="bg2">
+            <a:schemeClr val="tx1">
               <a:lumMod val="75000"/>
+              <a:lumOff val="25000"/>
             </a:schemeClr>
           </a:solidFill>
-          <a:effectLst/>
           <a:latin typeface="+mn-lt"/>
           <a:ea typeface="+mn-ea"/>
           <a:cs typeface="+mn-cs"/>
@@ -5220,24 +5681,24 @@
       </a:lvl7pPr>
       <a:lvl8pPr marL="3429000" indent="-228600" algn="l" defTabSz="457200" rtl="0" eaLnBrk="1" latinLnBrk="0" hangingPunct="1">
         <a:spcBef>
-          <a:spcPct val="20000"/>
+          <a:spcPts val="1000"/>
         </a:spcBef>
         <a:spcAft>
-          <a:spcPts val="600"/>
+          <a:spcPts val="0"/>
         </a:spcAft>
         <a:buClr>
-          <a:schemeClr val="tx1"/>
+          <a:schemeClr val="accent1"/>
         </a:buClr>
         <a:buSzPct val="80000"/>
-        <a:buFont typeface="Wingdings 3" panose="05040102010807070707" pitchFamily="18" charset="2"/>
-        <a:buChar char=""/>
-        <a:defRPr sz="1400" kern="1200" cap="none">
+        <a:buFont typeface="Wingdings 3" charset="2"/>
+        <a:buChar char=""/>
+        <a:defRPr sz="1200" kern="1200">
           <a:solidFill>
-            <a:schemeClr val="bg2">
+            <a:schemeClr val="tx1">
               <a:lumMod val="75000"/>
+              <a:lumOff val="25000"/>
             </a:schemeClr>
           </a:solidFill>
-          <a:effectLst/>
           <a:latin typeface="+mn-lt"/>
           <a:ea typeface="+mn-ea"/>
           <a:cs typeface="+mn-cs"/>
@@ -5245,24 +5706,24 @@
       </a:lvl8pPr>
       <a:lvl9pPr marL="3886200" indent="-228600" algn="l" defTabSz="457200" rtl="0" eaLnBrk="1" latinLnBrk="0" hangingPunct="1">
         <a:spcBef>
-          <a:spcPct val="20000"/>
+          <a:spcPts val="1000"/>
         </a:spcBef>
         <a:spcAft>
-          <a:spcPts val="600"/>
+          <a:spcPts val="0"/>
         </a:spcAft>
         <a:buClr>
-          <a:schemeClr val="tx1"/>
+          <a:schemeClr val="accent1"/>
         </a:buClr>
         <a:buSzPct val="80000"/>
-        <a:buFont typeface="Wingdings 3" panose="05040102010807070707" pitchFamily="18" charset="2"/>
-        <a:buChar char=""/>
-        <a:defRPr sz="1400" kern="1200" cap="none">
+        <a:buFont typeface="Wingdings 3" charset="2"/>
+        <a:buChar char=""/>
+        <a:defRPr sz="1200" kern="1200">
           <a:solidFill>
-            <a:schemeClr val="bg2">
+            <a:schemeClr val="tx1">
               <a:lumMod val="75000"/>
+              <a:lumOff val="25000"/>
             </a:schemeClr>
           </a:solidFill>
-          <a:effectLst/>
           <a:latin typeface="+mn-lt"/>
           <a:ea typeface="+mn-ea"/>
           <a:cs typeface="+mn-cs"/>
@@ -5421,7 +5882,7 @@
         <p:spPr/>
         <p:txBody>
           <a:bodyPr>
-            <a:normAutofit fontScale="77500" lnSpcReduction="20000"/>
+            <a:normAutofit fontScale="55000" lnSpcReduction="20000"/>
           </a:bodyPr>
           <a:lstStyle/>
           <a:p>
@@ -5439,27 +5900,27 @@
           </a:p>
           <a:p>
             <a:r>
-              <a:rPr lang="en-US" dirty="0"/>
+              <a:rPr lang="en-US" sz="2200" dirty="0"/>
               <a:t>APIGM (</a:t>
             </a:r>
             <a:r>
-              <a:rPr lang="fr-FR" b="1" dirty="0"/>
+              <a:rPr lang="fr-FR" sz="2200" b="1" dirty="0"/>
               <a:t>L'association des Professionnels en Informatique du Grand Montréal</a:t>
             </a:r>
             <a:r>
-              <a:rPr lang="en-US" dirty="0"/>
+              <a:rPr lang="en-US" sz="2200" dirty="0"/>
               <a:t>)</a:t>
             </a:r>
           </a:p>
           <a:p>
-            <a:endParaRPr lang="en-US" dirty="0"/>
-          </a:p>
-          <a:p>
-            <a:r>
-              <a:rPr lang="en-US" altLang="zh-CN" dirty="0"/>
+            <a:endParaRPr lang="en-US" sz="2200" dirty="0"/>
+          </a:p>
+          <a:p>
+            <a:r>
+              <a:rPr lang="en-US" altLang="zh-CN" sz="2200" dirty="0"/>
               <a:t>Reference https://www.slideshare.net/kkashyap1707/api-testing-62525212</a:t>
             </a:r>
-            <a:endParaRPr lang="en-CA" dirty="0"/>
+            <a:endParaRPr lang="en-CA" sz="2200" dirty="0"/>
           </a:p>
         </p:txBody>
       </p:sp>
@@ -5473,13 +5934,6 @@
   <p:clrMapOvr>
     <a:masterClrMapping/>
   </p:clrMapOvr>
-  <p:timing>
-    <p:tnLst>
-      <p:par>
-        <p:cTn id="1" dur="indefinite" restart="never" nodeType="tmRoot"/>
-      </p:par>
-    </p:tnLst>
-  </p:timing>
 </p:sld>
 </file>
 
@@ -5615,13 +6069,6 @@
   <p:clrMapOvr>
     <a:masterClrMapping/>
   </p:clrMapOvr>
-  <p:timing>
-    <p:tnLst>
-      <p:par>
-        <p:cTn id="1" dur="indefinite" restart="never" nodeType="tmRoot"/>
-      </p:par>
-    </p:tnLst>
-  </p:timing>
 </p:sld>
 </file>
 
@@ -5752,13 +6199,6 @@
   <p:clrMapOvr>
     <a:masterClrMapping/>
   </p:clrMapOvr>
-  <p:timing>
-    <p:tnLst>
-      <p:par>
-        <p:cTn id="1" dur="indefinite" restart="never" nodeType="tmRoot"/>
-      </p:par>
-    </p:tnLst>
-  </p:timing>
 </p:sld>
 </file>
 
@@ -5795,12 +6235,12 @@
           <a:lstStyle/>
           <a:p>
             <a:r>
-              <a:rPr lang="en-US" dirty="0" smtClean="0"/>
+              <a:rPr lang="en-US" dirty="0"/>
               <a:t>Rest </a:t>
             </a:r>
             <a:r>
-              <a:rPr lang="en-US" dirty="0" err="1" smtClean="0"/>
-              <a:t>aSSURED</a:t>
+              <a:rPr lang="en-US" altLang="zh-Hans" dirty="0"/>
+              <a:t>Assured</a:t>
             </a:r>
             <a:endParaRPr lang="en-US" dirty="0"/>
           </a:p>
@@ -5823,91 +6263,55 @@
           <a:p>
             <a:r>
               <a:rPr lang="en-US" dirty="0"/>
-              <a:t> given</a:t>
-            </a:r>
-            <a:r>
-              <a:rPr lang="en-US" dirty="0" smtClean="0"/>
-              <a:t>().</a:t>
+              <a:t> given().</a:t>
             </a:r>
           </a:p>
           <a:p>
             <a:pPr lvl="1"/>
             <a:r>
-              <a:rPr lang="en-US" dirty="0" smtClean="0"/>
-              <a:t>	</a:t>
-            </a:r>
-            <a:r>
-              <a:rPr lang="en-US" dirty="0" err="1" smtClean="0"/>
+              <a:rPr lang="en-US" dirty="0" err="1"/>
               <a:t>param</a:t>
             </a:r>
             <a:r>
               <a:rPr lang="en-US" dirty="0"/>
               <a:t>("x", "y"). </a:t>
             </a:r>
-            <a:endParaRPr lang="en-US" dirty="0" smtClean="0"/>
           </a:p>
           <a:p>
             <a:pPr lvl="1"/>
             <a:r>
-              <a:rPr lang="en-US" dirty="0" smtClean="0"/>
-              <a:t>header</a:t>
-            </a:r>
-            <a:r>
               <a:rPr lang="en-US" dirty="0"/>
-              <a:t>("z", "w"). </a:t>
-            </a:r>
-            <a:endParaRPr lang="en-US" dirty="0" smtClean="0"/>
-          </a:p>
-          <a:p>
-            <a:r>
-              <a:rPr lang="en-US" dirty="0" smtClean="0"/>
-              <a:t>when</a:t>
-            </a:r>
+              <a:t>header("z", "w"). </a:t>
+            </a:r>
+          </a:p>
+          <a:p>
             <a:r>
               <a:rPr lang="en-US" dirty="0"/>
-              <a:t>(). </a:t>
-            </a:r>
-            <a:endParaRPr lang="en-US" dirty="0" smtClean="0"/>
+              <a:t>when(). </a:t>
+            </a:r>
           </a:p>
           <a:p>
             <a:pPr lvl="1"/>
             <a:r>
-              <a:rPr lang="en-US" dirty="0" smtClean="0"/>
-              <a:t>get</a:t>
-            </a:r>
-            <a:r>
               <a:rPr lang="en-US" dirty="0"/>
-              <a:t>("/something</a:t>
-            </a:r>
-            <a:r>
-              <a:rPr lang="en-US" dirty="0" smtClean="0"/>
-              <a:t>").</a:t>
-            </a:r>
-          </a:p>
-          <a:p>
-            <a:r>
-              <a:rPr lang="en-US" dirty="0" smtClean="0"/>
-              <a:t> </a:t>
-            </a:r>
+              <a:t>get("/something").</a:t>
+            </a:r>
+          </a:p>
+          <a:p>
             <a:r>
               <a:rPr lang="en-US" dirty="0"/>
-              <a:t>then(). </a:t>
-            </a:r>
-            <a:endParaRPr lang="en-US" dirty="0" smtClean="0"/>
+              <a:t> then(). </a:t>
+            </a:r>
           </a:p>
           <a:p>
             <a:pPr lvl="1"/>
             <a:r>
-              <a:rPr lang="en-US" dirty="0" err="1" smtClean="0"/>
+              <a:rPr lang="en-US" dirty="0" err="1"/>
               <a:t>statusCode</a:t>
             </a:r>
             <a:r>
-              <a:rPr lang="en-US" dirty="0" smtClean="0"/>
-              <a:t>(200</a:t>
-            </a:r>
-            <a:r>
               <a:rPr lang="en-US" dirty="0"/>
-              <a:t>). body("</a:t>
+              <a:t>(200). body("</a:t>
             </a:r>
             <a:r>
               <a:rPr lang="en-US" dirty="0" err="1"/>
@@ -5938,13 +6342,6 @@
   <p:clrMapOvr>
     <a:masterClrMapping/>
   </p:clrMapOvr>
-  <p:timing>
-    <p:tnLst>
-      <p:par>
-        <p:cTn id="1" dur="indefinite" restart="never" nodeType="tmRoot"/>
-      </p:par>
-    </p:tnLst>
-  </p:timing>
 </p:sld>
 </file>
 
@@ -6029,13 +6426,6 @@
   <p:clrMapOvr>
     <a:masterClrMapping/>
   </p:clrMapOvr>
-  <p:timing>
-    <p:tnLst>
-      <p:par>
-        <p:cTn id="1" dur="indefinite" restart="never" nodeType="tmRoot"/>
-      </p:par>
-    </p:tnLst>
-  </p:timing>
 </p:sld>
 </file>
 
@@ -6117,13 +6507,6 @@
   <p:clrMapOvr>
     <a:masterClrMapping/>
   </p:clrMapOvr>
-  <p:timing>
-    <p:tnLst>
-      <p:par>
-        <p:cTn id="1" dur="indefinite" restart="never" nodeType="tmRoot"/>
-      </p:par>
-    </p:tnLst>
-  </p:timing>
 </p:sld>
 </file>
 
@@ -6219,13 +6602,6 @@
   <p:clrMapOvr>
     <a:masterClrMapping/>
   </p:clrMapOvr>
-  <p:timing>
-    <p:tnLst>
-      <p:par>
-        <p:cTn id="1" dur="indefinite" restart="never" nodeType="tmRoot"/>
-      </p:par>
-    </p:tnLst>
-  </p:timing>
 </p:sld>
 </file>
 
@@ -6305,13 +6681,6 @@
   <p:clrMapOvr>
     <a:masterClrMapping/>
   </p:clrMapOvr>
-  <p:timing>
-    <p:tnLst>
-      <p:par>
-        <p:cTn id="1" dur="indefinite" restart="never" nodeType="tmRoot"/>
-      </p:par>
-    </p:tnLst>
-  </p:timing>
 </p:sld>
 </file>
 
@@ -6372,8 +6741,8 @@
         </p:blipFill>
         <p:spPr>
           <a:xfrm>
-            <a:off x="3764849" y="685800"/>
-            <a:ext cx="2373127" cy="3614738"/>
+            <a:off x="3744119" y="2228056"/>
+            <a:ext cx="2463800" cy="3746500"/>
           </a:xfrm>
           <a:prstGeom prst="rect">
             <a:avLst/>
@@ -6390,13 +6759,6 @@
   <p:clrMapOvr>
     <a:masterClrMapping/>
   </p:clrMapOvr>
-  <p:timing>
-    <p:tnLst>
-      <p:par>
-        <p:cTn id="1" dur="indefinite" restart="never" nodeType="tmRoot"/>
-      </p:par>
-    </p:tnLst>
-  </p:timing>
 </p:sld>
 </file>
 
@@ -6499,13 +6861,6 @@
   <p:clrMapOvr>
     <a:masterClrMapping/>
   </p:clrMapOvr>
-  <p:timing>
-    <p:tnLst>
-      <p:par>
-        <p:cTn id="1" dur="indefinite" restart="never" nodeType="tmRoot"/>
-      </p:par>
-    </p:tnLst>
-  </p:timing>
 </p:sld>
 </file>
 
@@ -6571,9 +6926,15 @@
         </p:spPr>
         <p:txBody>
           <a:bodyPr>
-            <a:normAutofit fontScale="92500" lnSpcReduction="10000"/>
+            <a:normAutofit fontScale="92500" lnSpcReduction="20000"/>
           </a:bodyPr>
           <a:lstStyle/>
+          <a:p>
+            <a:endParaRPr lang="en-US" b="1" dirty="0"/>
+          </a:p>
+          <a:p>
+            <a:endParaRPr lang="en-US" b="1" dirty="0"/>
+          </a:p>
           <a:p>
             <a:r>
               <a:rPr lang="en-US" b="1" dirty="0"/>
@@ -6663,13 +7024,6 @@
   <p:clrMapOvr>
     <a:masterClrMapping/>
   </p:clrMapOvr>
-  <p:timing>
-    <p:tnLst>
-      <p:par>
-        <p:cTn id="1" dur="indefinite" restart="never" nodeType="tmRoot"/>
-      </p:par>
-    </p:tnLst>
-  </p:timing>
 </p:sld>
 </file>
 
@@ -6738,6 +7092,12 @@
             <a:normAutofit lnSpcReduction="10000"/>
           </a:bodyPr>
           <a:lstStyle/>
+          <a:p>
+            <a:endParaRPr lang="en-US" b="1" dirty="0"/>
+          </a:p>
+          <a:p>
+            <a:endParaRPr lang="en-US" b="1" dirty="0"/>
+          </a:p>
           <a:p>
             <a:r>
               <a:rPr lang="en-US" b="1" dirty="0"/>
@@ -6807,13 +7167,6 @@
   <p:clrMapOvr>
     <a:masterClrMapping/>
   </p:clrMapOvr>
-  <p:timing>
-    <p:tnLst>
-      <p:par>
-        <p:cTn id="1" dur="indefinite" restart="never" nodeType="tmRoot"/>
-      </p:par>
-    </p:tnLst>
-  </p:timing>
 </p:sld>
 </file>
 
@@ -6897,7 +7250,7 @@
         </p:blipFill>
         <p:spPr>
           <a:xfrm>
-            <a:off x="313190" y="1047750"/>
+            <a:off x="768010" y="2500775"/>
             <a:ext cx="8415316" cy="3200400"/>
           </a:xfrm>
           <a:prstGeom prst="rect">
@@ -6913,7 +7266,7 @@
         </p:nvSpPr>
         <p:spPr>
           <a:xfrm>
-            <a:off x="5693485" y="1418665"/>
+            <a:off x="5671345" y="4124584"/>
             <a:ext cx="381000" cy="1001582"/>
           </a:xfrm>
           <a:prstGeom prst="bentUpArrow">
@@ -7001,8 +7354,8 @@
         </p:nvSpPr>
         <p:spPr>
           <a:xfrm>
-            <a:off x="4817185" y="2526031"/>
-            <a:ext cx="2514600" cy="121919"/>
+            <a:off x="6147996" y="3012645"/>
+            <a:ext cx="1447800" cy="136852"/>
           </a:xfrm>
           <a:prstGeom prst="leftArrow">
             <a:avLst/>
@@ -7033,42 +7386,13 @@
       </p:sp>
       <p:sp>
         <p:nvSpPr>
-          <p:cNvPr id="9" name="TextBox 8"/>
-          <p:cNvSpPr txBox="1"/>
-          <p:nvPr/>
-        </p:nvSpPr>
-        <p:spPr>
-          <a:xfrm>
-            <a:off x="5456556" y="1082703"/>
-            <a:ext cx="1235858" cy="369332"/>
-          </a:xfrm>
-          <a:prstGeom prst="rect">
-            <a:avLst/>
-          </a:prstGeom>
-          <a:noFill/>
-        </p:spPr>
-        <p:txBody>
-          <a:bodyPr wrap="square" rtlCol="0">
-            <a:spAutoFit/>
-          </a:bodyPr>
-          <a:lstStyle/>
-          <a:p>
-            <a:r>
-              <a:rPr lang="en-US" dirty="0"/>
-              <a:t>Response</a:t>
-            </a:r>
-          </a:p>
-        </p:txBody>
-      </p:sp>
-      <p:sp>
-        <p:nvSpPr>
           <p:cNvPr id="10" name="TextBox 9"/>
           <p:cNvSpPr txBox="1"/>
           <p:nvPr/>
         </p:nvSpPr>
         <p:spPr>
           <a:xfrm>
-            <a:off x="5530067" y="3542856"/>
+            <a:off x="6143021" y="4941500"/>
             <a:ext cx="1235858" cy="369332"/>
           </a:xfrm>
           <a:prstGeom prst="rect">
@@ -7488,7 +7812,7 @@
                                           </p:stCondLst>
                                         </p:cTn>
                                         <p:tgtEl>
-                                          <p:spTgt spid="9"/>
+                                          <p:spTgt spid="7"/>
                                         </p:tgtEl>
                                         <p:attrNameLst>
                                           <p:attrName>style.visibility</p:attrName>
@@ -7502,7 +7826,7 @@
                                       <p:cBhvr additive="base">
                                         <p:cTn id="30" dur="500" fill="hold"/>
                                         <p:tgtEl>
-                                          <p:spTgt spid="9"/>
+                                          <p:spTgt spid="7"/>
                                         </p:tgtEl>
                                         <p:attrNameLst>
                                           <p:attrName>ppt_x</p:attrName>
@@ -7525,7 +7849,7 @@
                                       <p:cBhvr additive="base">
                                         <p:cTn id="31" dur="500" fill="hold"/>
                                         <p:tgtEl>
-                                          <p:spTgt spid="9"/>
+                                          <p:spTgt spid="7"/>
                                         </p:tgtEl>
                                         <p:attrNameLst>
                                           <p:attrName>ppt_y</p:attrName>
@@ -7566,7 +7890,7 @@
                             </p:stCondLst>
                             <p:childTnLst>
                               <p:par>
-                                <p:cTn id="34" presetID="2" presetClass="entr" presetSubtype="4" fill="hold" grpId="0" nodeType="clickEffect">
+                                <p:cTn id="34" presetID="2" presetClass="entr" presetSubtype="4" fill="hold" nodeType="clickEffect">
                                   <p:stCondLst>
                                     <p:cond delay="0"/>
                                   </p:stCondLst>
@@ -7574,97 +7898,6 @@
                                     <p:set>
                                       <p:cBhvr>
                                         <p:cTn id="35" dur="1" fill="hold">
-                                          <p:stCondLst>
-                                            <p:cond delay="0"/>
-                                          </p:stCondLst>
-                                        </p:cTn>
-                                        <p:tgtEl>
-                                          <p:spTgt spid="7"/>
-                                        </p:tgtEl>
-                                        <p:attrNameLst>
-                                          <p:attrName>style.visibility</p:attrName>
-                                        </p:attrNameLst>
-                                      </p:cBhvr>
-                                      <p:to>
-                                        <p:strVal val="visible"/>
-                                      </p:to>
-                                    </p:set>
-                                    <p:anim calcmode="lin" valueType="num">
-                                      <p:cBhvr additive="base">
-                                        <p:cTn id="36" dur="500" fill="hold"/>
-                                        <p:tgtEl>
-                                          <p:spTgt spid="7"/>
-                                        </p:tgtEl>
-                                        <p:attrNameLst>
-                                          <p:attrName>ppt_x</p:attrName>
-                                        </p:attrNameLst>
-                                      </p:cBhvr>
-                                      <p:tavLst>
-                                        <p:tav tm="0">
-                                          <p:val>
-                                            <p:strVal val="#ppt_x"/>
-                                          </p:val>
-                                        </p:tav>
-                                        <p:tav tm="100000">
-                                          <p:val>
-                                            <p:strVal val="#ppt_x"/>
-                                          </p:val>
-                                        </p:tav>
-                                      </p:tavLst>
-                                    </p:anim>
-                                    <p:anim calcmode="lin" valueType="num">
-                                      <p:cBhvr additive="base">
-                                        <p:cTn id="37" dur="500" fill="hold"/>
-                                        <p:tgtEl>
-                                          <p:spTgt spid="7"/>
-                                        </p:tgtEl>
-                                        <p:attrNameLst>
-                                          <p:attrName>ppt_y</p:attrName>
-                                        </p:attrNameLst>
-                                      </p:cBhvr>
-                                      <p:tavLst>
-                                        <p:tav tm="0">
-                                          <p:val>
-                                            <p:strVal val="1+#ppt_h/2"/>
-                                          </p:val>
-                                        </p:tav>
-                                        <p:tav tm="100000">
-                                          <p:val>
-                                            <p:strVal val="#ppt_y"/>
-                                          </p:val>
-                                        </p:tav>
-                                      </p:tavLst>
-                                    </p:anim>
-                                  </p:childTnLst>
-                                </p:cTn>
-                              </p:par>
-                            </p:childTnLst>
-                          </p:cTn>
-                        </p:par>
-                      </p:childTnLst>
-                    </p:cTn>
-                  </p:par>
-                  <p:par>
-                    <p:cTn id="38" fill="hold">
-                      <p:stCondLst>
-                        <p:cond delay="indefinite"/>
-                      </p:stCondLst>
-                      <p:childTnLst>
-                        <p:par>
-                          <p:cTn id="39" fill="hold">
-                            <p:stCondLst>
-                              <p:cond delay="0"/>
-                            </p:stCondLst>
-                            <p:childTnLst>
-                              <p:par>
-                                <p:cTn id="40" presetID="2" presetClass="entr" presetSubtype="4" fill="hold" nodeType="clickEffect">
-                                  <p:stCondLst>
-                                    <p:cond delay="0"/>
-                                  </p:stCondLst>
-                                  <p:childTnLst>
-                                    <p:set>
-                                      <p:cBhvr>
-                                        <p:cTn id="41" dur="1" fill="hold">
                                           <p:stCondLst>
                                             <p:cond delay="0"/>
                                           </p:stCondLst>
@@ -7686,7 +7919,7 @@
                                     </p:set>
                                     <p:anim calcmode="lin" valueType="num">
                                       <p:cBhvr additive="base">
-                                        <p:cTn id="42" dur="500" fill="hold"/>
+                                        <p:cTn id="36" dur="500" fill="hold"/>
                                         <p:tgtEl>
                                           <p:spTgt spid="10">
                                             <p:txEl>
@@ -7713,7 +7946,7 @@
                                     </p:anim>
                                     <p:anim calcmode="lin" valueType="num">
                                       <p:cBhvr additive="base">
-                                        <p:cTn id="43" dur="500" fill="hold"/>
+                                        <p:cTn id="37" dur="500" fill="hold"/>
                                         <p:tgtEl>
                                           <p:spTgt spid="10">
                                             <p:txEl>
@@ -7772,7 +8005,6 @@
       <p:bldP spid="6" grpId="0" animBg="1"/>
       <p:bldP spid="7" grpId="0" animBg="1"/>
       <p:bldP spid="8" grpId="0" animBg="1"/>
-      <p:bldP spid="9" grpId="0"/>
       <p:bldP spid="11" grpId="0"/>
     </p:bldLst>
   </p:timing>
@@ -7832,7 +8064,7 @@
         <p:spPr/>
         <p:txBody>
           <a:bodyPr>
-            <a:normAutofit lnSpcReduction="10000"/>
+            <a:normAutofit/>
           </a:bodyPr>
           <a:lstStyle/>
           <a:p>
@@ -7897,13 +8129,6 @@
   <p:clrMapOvr>
     <a:masterClrMapping/>
   </p:clrMapOvr>
-  <p:timing>
-    <p:tnLst>
-      <p:par>
-        <p:cTn id="1" dur="indefinite" restart="never" nodeType="tmRoot"/>
-      </p:par>
-    </p:tnLst>
-  </p:timing>
 </p:sld>
 </file>
 
@@ -8037,13 +8262,6 @@
   <p:clrMapOvr>
     <a:masterClrMapping/>
   </p:clrMapOvr>
-  <p:timing>
-    <p:tnLst>
-      <p:par>
-        <p:cTn id="1" dur="indefinite" restart="never" nodeType="tmRoot"/>
-      </p:par>
-    </p:tnLst>
-  </p:timing>
 </p:sld>
 </file>
 
@@ -8100,7 +8318,7 @@
         <p:spPr/>
         <p:txBody>
           <a:bodyPr>
-            <a:normAutofit fontScale="77500" lnSpcReduction="20000"/>
+            <a:normAutofit fontScale="92500" lnSpcReduction="10000"/>
           </a:bodyPr>
           <a:lstStyle/>
           <a:p>
@@ -8199,13 +8417,6 @@
   <p:clrMapOvr>
     <a:masterClrMapping/>
   </p:clrMapOvr>
-  <p:timing>
-    <p:tnLst>
-      <p:par>
-        <p:cTn id="1" dur="indefinite" restart="never" nodeType="tmRoot"/>
-      </p:par>
-    </p:tnLst>
-  </p:timing>
 </p:sld>
 </file>
 
@@ -8242,7 +8453,7 @@
           <a:lstStyle/>
           <a:p>
             <a:r>
-              <a:rPr lang="en-US" altLang="zh-CN" dirty="0" smtClean="0"/>
+              <a:rPr lang="en-US" altLang="zh-CN" dirty="0"/>
               <a:t>Tools</a:t>
             </a:r>
             <a:endParaRPr lang="en-US" dirty="0"/>
@@ -8265,7 +8476,7 @@
           <a:lstStyle/>
           <a:p>
             <a:r>
-              <a:rPr lang="en-US" altLang="zh-CN" dirty="0" smtClean="0"/>
+              <a:rPr lang="en-US" altLang="zh-CN" dirty="0"/>
               <a:t>Postman</a:t>
             </a:r>
           </a:p>
@@ -8283,36 +8494,35 @@
               <a:rPr lang="en-US" altLang="zh-CN" dirty="0"/>
               <a:t>/</a:t>
             </a:r>
-            <a:endParaRPr lang="en-US" altLang="zh-CN" dirty="0" smtClean="0"/>
-          </a:p>
-          <a:p>
-            <a:r>
-              <a:rPr lang="en-US" altLang="zh-CN" dirty="0" err="1" smtClean="0"/>
+          </a:p>
+          <a:p>
+            <a:r>
+              <a:rPr lang="en-US" altLang="zh-CN" dirty="0" err="1"/>
               <a:t>Jsonview</a:t>
             </a:r>
-            <a:endParaRPr lang="en-US" altLang="zh-CN" dirty="0" smtClean="0"/>
-          </a:p>
-          <a:p>
-            <a:r>
-              <a:rPr lang="en-US" altLang="zh-CN" dirty="0" err="1" smtClean="0"/>
+            <a:endParaRPr lang="en-US" altLang="zh-CN" dirty="0"/>
+          </a:p>
+          <a:p>
+            <a:r>
+              <a:rPr lang="en-US" altLang="zh-CN" dirty="0" err="1"/>
               <a:t>RestAssured</a:t>
             </a:r>
-            <a:endParaRPr lang="en-US" altLang="zh-CN" dirty="0" smtClean="0"/>
+            <a:endParaRPr lang="en-US" altLang="zh-CN" dirty="0"/>
           </a:p>
           <a:p>
             <a:endParaRPr lang="en-US" dirty="0"/>
           </a:p>
           <a:p>
             <a:r>
-              <a:rPr lang="en-US" altLang="zh-CN" dirty="0" smtClean="0"/>
+              <a:rPr lang="en-US" altLang="zh-CN" dirty="0"/>
               <a:t>Sample</a:t>
             </a:r>
             <a:r>
-              <a:rPr lang="zh-CN" altLang="en-US" dirty="0" smtClean="0"/>
+              <a:rPr lang="zh-CN" altLang="en-US" dirty="0"/>
               <a:t> </a:t>
             </a:r>
             <a:r>
-              <a:rPr lang="en-US" altLang="zh-CN" dirty="0" smtClean="0"/>
+              <a:rPr lang="en-US" altLang="zh-CN" dirty="0"/>
               <a:t>API</a:t>
             </a:r>
           </a:p>
@@ -8343,13 +8553,6 @@
   <p:clrMapOvr>
     <a:masterClrMapping/>
   </p:clrMapOvr>
-  <p:timing>
-    <p:tnLst>
-      <p:par>
-        <p:cTn id="1" dur="indefinite" restart="never" nodeType="tmRoot"/>
-      </p:par>
-    </p:tnLst>
-  </p:timing>
 </p:sld>
 </file>
 
@@ -8499,20 +8702,13 @@
   <p:clrMapOvr>
     <a:masterClrMapping/>
   </p:clrMapOvr>
-  <p:timing>
-    <p:tnLst>
-      <p:par>
-        <p:cTn id="1" dur="indefinite" restart="never" nodeType="tmRoot"/>
-      </p:par>
-    </p:tnLst>
-  </p:timing>
 </p:sld>
 </file>
 
 <file path=ppt/theme/theme1.xml><?xml version="1.0" encoding="utf-8"?>
-<a:theme xmlns:a="http://schemas.openxmlformats.org/drawingml/2006/main" name="Slice">
+<a:theme xmlns:a="http://schemas.openxmlformats.org/drawingml/2006/main" name="Facet">
   <a:themeElements>
-    <a:clrScheme name="Slice">
+    <a:clrScheme name="Facet">
       <a:dk1>
         <a:sysClr val="windowText" lastClr="000000"/>
       </a:dk1>
@@ -8520,48 +8716,48 @@
         <a:sysClr val="window" lastClr="FFFFFF"/>
       </a:lt1>
       <a:dk2>
-        <a:srgbClr val="146194"/>
+        <a:srgbClr val="2C3C43"/>
       </a:dk2>
       <a:lt2>
-        <a:srgbClr val="76DBF4"/>
+        <a:srgbClr val="EBEBEB"/>
       </a:lt2>
       <a:accent1>
-        <a:srgbClr val="052F61"/>
+        <a:srgbClr val="90C226"/>
       </a:accent1>
       <a:accent2>
-        <a:srgbClr val="A50E82"/>
+        <a:srgbClr val="54A021"/>
       </a:accent2>
       <a:accent3>
-        <a:srgbClr val="14967C"/>
+        <a:srgbClr val="E6B91E"/>
       </a:accent3>
       <a:accent4>
-        <a:srgbClr val="6A9E1F"/>
+        <a:srgbClr val="E76618"/>
       </a:accent4>
       <a:accent5>
-        <a:srgbClr val="E87D37"/>
+        <a:srgbClr val="C42F1A"/>
       </a:accent5>
       <a:accent6>
-        <a:srgbClr val="C62324"/>
+        <a:srgbClr val="918655"/>
       </a:accent6>
       <a:hlink>
-        <a:srgbClr val="0D2E46"/>
+        <a:srgbClr val="99CA3C"/>
       </a:hlink>
       <a:folHlink>
-        <a:srgbClr val="356A95"/>
+        <a:srgbClr val="B9D181"/>
       </a:folHlink>
     </a:clrScheme>
-    <a:fontScheme name="Slice">
+    <a:fontScheme name="Facet">
       <a:majorFont>
-        <a:latin typeface="Century Gothic" panose="020B0502020202020204"/>
+        <a:latin typeface="Trebuchet MS" panose="020B0603020202020204"/>
         <a:ea typeface=""/>
         <a:cs typeface=""/>
         <a:font script="Jpan" typeface="メイリオ"/>
-        <a:font script="Hang" typeface="HY중고딕"/>
-        <a:font script="Hans" typeface="幼圆"/>
+        <a:font script="Hang" typeface="맑은 고딕"/>
+        <a:font script="Hans" typeface="方正姚体"/>
         <a:font script="Hant" typeface="微軟正黑體"/>
         <a:font script="Arab" typeface="Tahoma"/>
-        <a:font script="Hebr" typeface="Gisha"/>
-        <a:font script="Thai" typeface="DilleniaUPC"/>
+        <a:font script="Hebr" typeface="Arial"/>
+        <a:font script="Thai" typeface="Cordia New"/>
         <a:font script="Ethi" typeface="Nyala"/>
         <a:font script="Beng" typeface="Vrinda"/>
         <a:font script="Gujr" typeface="Shruti"/>
@@ -8587,16 +8783,16 @@
         <a:font script="Geor" typeface="Sylfaen"/>
       </a:majorFont>
       <a:minorFont>
-        <a:latin typeface="Century Gothic" panose="020B0502020202020204"/>
+        <a:latin typeface="Trebuchet MS" panose="020B0603020202020204"/>
         <a:ea typeface=""/>
         <a:cs typeface=""/>
         <a:font script="Jpan" typeface="メイリオ"/>
-        <a:font script="Hang" typeface="HY중고딕"/>
-        <a:font script="Hans" typeface="幼圆"/>
+        <a:font script="Hang" typeface="HY그래픽M"/>
+        <a:font script="Hans" typeface="华文新魏"/>
         <a:font script="Hant" typeface="微軟正黑體"/>
         <a:font script="Arab" typeface="Tahoma"/>
         <a:font script="Hebr" typeface="Gisha"/>
-        <a:font script="Thai" typeface="DilleniaUPC"/>
+        <a:font script="Thai" typeface="IrisUPC"/>
         <a:font script="Ethi" typeface="Nyala"/>
         <a:font script="Beng" typeface="Vrinda"/>
         <a:font script="Gujr" typeface="Shruti"/>
@@ -8617,12 +8813,12 @@
         <a:font script="Laoo" typeface="DokChampa"/>
         <a:font script="Sinh" typeface="Iskoola Pota"/>
         <a:font script="Mong" typeface="Mongolian Baiti"/>
-        <a:font script="Viet" typeface="Tahoma"/>
+        <a:font script="Viet" typeface="Arial"/>
         <a:font script="Uigh" typeface="Microsoft Uighur"/>
         <a:font script="Geor" typeface="Sylfaen"/>
       </a:minorFont>
     </a:fontScheme>
-    <a:fmtScheme name="Slice">
+    <a:fmtScheme name="Facet">
       <a:fillStyleLst>
         <a:solidFill>
           <a:schemeClr val="phClr"/>
@@ -8631,16 +8827,13 @@
           <a:gsLst>
             <a:gs pos="0">
               <a:schemeClr val="phClr">
-                <a:tint val="62000"/>
-                <a:hueMod val="94000"/>
-                <a:satMod val="140000"/>
+                <a:tint val="65000"/>
                 <a:lumMod val="110000"/>
               </a:schemeClr>
             </a:gs>
-            <a:gs pos="100000">
+            <a:gs pos="88000">
               <a:schemeClr val="phClr">
-                <a:tint val="84000"/>
-                <a:satMod val="160000"/>
+                <a:tint val="90000"/>
               </a:schemeClr>
             </a:gs>
           </a:gsLst>
@@ -8650,16 +8843,14 @@
           <a:gsLst>
             <a:gs pos="0">
               <a:schemeClr val="phClr">
-                <a:tint val="98000"/>
-                <a:hueMod val="94000"/>
-                <a:satMod val="130000"/>
-                <a:lumMod val="128000"/>
+                <a:tint val="96000"/>
+                <a:lumMod val="100000"/>
               </a:schemeClr>
             </a:gs>
-            <a:gs pos="100000">
+            <a:gs pos="78000">
               <a:schemeClr val="phClr">
                 <a:shade val="94000"/>
-                <a:lumMod val="88000"/>
+                <a:lumMod val="94000"/>
               </a:schemeClr>
             </a:gs>
           </a:gsLst>
@@ -8667,25 +8858,19 @@
         </a:gradFill>
       </a:fillStyleLst>
       <a:lnStyleLst>
-        <a:ln w="9525" cap="rnd" cmpd="sng" algn="ctr">
+        <a:ln w="12700" cap="rnd" cmpd="sng" algn="ctr">
           <a:solidFill>
-            <a:schemeClr val="phClr">
-              <a:tint val="76000"/>
-              <a:alpha val="60000"/>
-              <a:hueMod val="94000"/>
-            </a:schemeClr>
+            <a:schemeClr val="phClr"/>
           </a:solidFill>
           <a:prstDash val="solid"/>
         </a:ln>
-        <a:ln w="15875" cap="rnd" cmpd="sng" algn="ctr">
+        <a:ln w="19050" cap="rnd" cmpd="sng" algn="ctr">
           <a:solidFill>
-            <a:schemeClr val="phClr">
-              <a:hueMod val="94000"/>
-            </a:schemeClr>
+            <a:schemeClr val="phClr"/>
           </a:solidFill>
           <a:prstDash val="solid"/>
         </a:ln>
-        <a:ln w="28575" cap="rnd" cmpd="sng" algn="ctr">
+        <a:ln w="25400" cap="rnd" cmpd="sng" algn="ctr">
           <a:solidFill>
             <a:schemeClr val="phClr"/>
           </a:solidFill>
@@ -8698,18 +8883,18 @@
         </a:effectStyle>
         <a:effectStyle>
           <a:effectLst>
-            <a:innerShdw blurRad="25400" dist="12700" dir="13500000">
+            <a:outerShdw blurRad="38100" dist="25400" dir="5400000" rotWithShape="0">
               <a:srgbClr val="000000">
-                <a:alpha val="45000"/>
+                <a:alpha val="35000"/>
               </a:srgbClr>
-            </a:innerShdw>
+            </a:outerShdw>
           </a:effectLst>
         </a:effectStyle>
         <a:effectStyle>
           <a:effectLst>
             <a:outerShdw blurRad="50800" dist="38100" dir="5400000" rotWithShape="0">
               <a:srgbClr val="000000">
-                <a:alpha val="46000"/>
+                <a:alpha val="35000"/>
               </a:srgbClr>
             </a:outerShdw>
           </a:effectLst>
@@ -8717,10 +8902,10 @@
             <a:camera prst="orthographicFront">
               <a:rot lat="0" lon="0" rev="0"/>
             </a:camera>
-            <a:lightRig rig="threePt" dir="t"/>
+            <a:lightRig rig="threePt" dir="tl"/>
           </a:scene3d>
           <a:sp3d prstMaterial="plastic">
-            <a:bevelT w="25400" h="25400"/>
+            <a:bevelT w="0" h="0"/>
           </a:sp3d>
         </a:effectStyle>
       </a:effectStyleLst>
@@ -8730,44 +8915,38 @@
         </a:solidFill>
         <a:gradFill rotWithShape="1">
           <a:gsLst>
-            <a:gs pos="10000">
+            <a:gs pos="0">
               <a:schemeClr val="phClr">
-                <a:tint val="97000"/>
-                <a:hueMod val="92000"/>
-                <a:satMod val="169000"/>
-                <a:lumMod val="164000"/>
+                <a:tint val="90000"/>
+                <a:lumMod val="104000"/>
               </a:schemeClr>
             </a:gs>
-            <a:gs pos="100000">
+            <a:gs pos="94000">
               <a:schemeClr val="phClr">
                 <a:shade val="96000"/>
-                <a:satMod val="120000"/>
-                <a:lumMod val="90000"/>
+                <a:lumMod val="82000"/>
               </a:schemeClr>
             </a:gs>
           </a:gsLst>
-          <a:lin ang="6120000" scaled="1"/>
+          <a:lin ang="5400000" scaled="0"/>
         </a:gradFill>
         <a:gradFill rotWithShape="1">
           <a:gsLst>
             <a:gs pos="0">
               <a:schemeClr val="phClr">
-                <a:tint val="97000"/>
-                <a:hueMod val="92000"/>
-                <a:satMod val="169000"/>
-                <a:lumMod val="164000"/>
+                <a:tint val="90000"/>
+                <a:lumMod val="110000"/>
               </a:schemeClr>
             </a:gs>
             <a:gs pos="100000">
               <a:schemeClr val="phClr">
-                <a:shade val="96000"/>
-                <a:satMod val="120000"/>
-                <a:lumMod val="90000"/>
+                <a:shade val="94000"/>
+                <a:lumMod val="96000"/>
               </a:schemeClr>
             </a:gs>
           </a:gsLst>
           <a:path path="circle">
-            <a:fillToRect b="100000"/>
+            <a:fillToRect l="50000" t="50000" r="100000" b="100000"/>
           </a:path>
         </a:gradFill>
       </a:bgFillStyleLst>
@@ -8777,7 +8956,7 @@
   <a:extraClrSchemeLst/>
   <a:extLst>
     <a:ext uri="{05A4C25C-085E-4340-85A3-A5531E510DB2}">
-      <thm15:themeFamily xmlns:thm15="http://schemas.microsoft.com/office/thememl/2012/main" name="Slice" id="{0507925B-6AC9-4358-8E18-C330545D08F8}" vid="{13FEC7C6-62A9-40C4-99D2-581AACACAA2F}"/>
+      <thm15:themeFamily xmlns:thm15="http://schemas.microsoft.com/office/thememl/2012/main" name="Facet" id="{C0C680CD-088A-49FC-A102-D699147F32B2}" vid="{CFBC31BA-B70F-4F30-BCAA-4F3011E16C4D}"/>
     </a:ext>
   </a:extLst>
 </a:theme>
